--- a/nenga2022.pptx
+++ b/nenga2022.pptx
@@ -11683,8 +11683,8 @@
           </a:extLst>
         </p:spPr>
       </p:pic>
-      <mc:AlternateContent xmlns:mc="http://schemas.openxmlformats.org/markup-compatibility/2006" xmlns:a14="http://schemas.microsoft.com/office/drawing/2010/main">
-        <mc:Choice Requires="a14">
+      <mc:AlternateContent xmlns:mc="http://schemas.openxmlformats.org/markup-compatibility/2006">
+        <mc:Choice xmlns:a14="http://schemas.microsoft.com/office/drawing/2010/main" Requires="a14">
           <p:sp>
             <p:nvSpPr>
               <p:cNvPr id="9" name="テキスト ボックス 8"/>
@@ -11693,7 +11693,7 @@
             </p:nvSpPr>
             <p:spPr>
               <a:xfrm>
-                <a:off x="232094" y="1018612"/>
+                <a:off x="376110" y="758008"/>
                 <a:ext cx="8516370" cy="340158"/>
               </a:xfrm>
               <a:prstGeom prst="rect">
@@ -11719,7 +11719,7 @@
                           <m:ctrlPr>
                             <a:rPr kumimoji="1" lang="en-US" altLang="ja-JP" sz="1400" b="0" i="1" smtClean="0">
                               <a:solidFill>
-                                <a:schemeClr val="tx1"/>
+                                <a:srgbClr val="FF0000"/>
                               </a:solidFill>
                               <a:latin typeface="Cambria Math"/>
                             </a:rPr>
@@ -11729,7 +11729,7 @@
                           <m:r>
                             <a:rPr kumimoji="1" lang="en-US" altLang="ja-JP" sz="1400" b="0" i="1" smtClean="0">
                               <a:solidFill>
-                                <a:schemeClr val="tx1"/>
+                                <a:srgbClr val="FF0000"/>
                               </a:solidFill>
                               <a:latin typeface="Cambria Math"/>
                             </a:rPr>
@@ -11740,7 +11740,7 @@
                           <m:r>
                             <a:rPr kumimoji="1" lang="en-US" altLang="ja-JP" sz="1400" b="0" i="1" smtClean="0">
                               <a:solidFill>
-                                <a:schemeClr val="tx1"/>
+                                <a:srgbClr val="FF0000"/>
                               </a:solidFill>
                               <a:latin typeface="Cambria Math"/>
                             </a:rPr>
@@ -11749,7 +11749,7 @@
                           <m:r>
                             <a:rPr kumimoji="1" lang="en-US" altLang="ja-JP" sz="1400" b="0" i="1" smtClean="0">
                               <a:solidFill>
-                                <a:schemeClr val="tx1"/>
+                                <a:srgbClr val="FF0000"/>
                               </a:solidFill>
                               <a:latin typeface="Cambria Math"/>
                             </a:rPr>
@@ -11758,7 +11758,7 @@
                           <m:r>
                             <a:rPr kumimoji="1" lang="en-US" altLang="ja-JP" sz="1400" b="0" i="1" smtClean="0">
                               <a:solidFill>
-                                <a:schemeClr val="tx1"/>
+                                <a:srgbClr val="FF0000"/>
                               </a:solidFill>
                               <a:latin typeface="Cambria Math"/>
                             </a:rPr>
@@ -11767,7 +11767,7 @@
                           <m:r>
                             <a:rPr kumimoji="1" lang="en-US" altLang="ja-JP" sz="1400" b="0" i="1" smtClean="0">
                               <a:solidFill>
-                                <a:schemeClr val="tx1"/>
+                                <a:srgbClr val="FF0000"/>
                               </a:solidFill>
                               <a:latin typeface="Cambria Math"/>
                             </a:rPr>
@@ -11776,7 +11776,7 @@
                           <m:r>
                             <a:rPr kumimoji="1" lang="en-US" altLang="ja-JP" sz="1400" b="0" i="1" smtClean="0">
                               <a:solidFill>
-                                <a:schemeClr val="tx1"/>
+                                <a:srgbClr val="FF0000"/>
                               </a:solidFill>
                               <a:latin typeface="Cambria Math"/>
                             </a:rPr>
@@ -11785,7 +11785,7 @@
                           <m:r>
                             <a:rPr kumimoji="1" lang="en-US" altLang="ja-JP" sz="1400" b="0" i="1" smtClean="0">
                               <a:solidFill>
-                                <a:schemeClr val="tx1"/>
+                                <a:srgbClr val="FF0000"/>
                               </a:solidFill>
                               <a:latin typeface="Cambria Math"/>
                             </a:rPr>
@@ -11796,7 +11796,7 @@
                       <m:r>
                         <a:rPr kumimoji="1" lang="en-US" altLang="ja-JP" sz="1400" i="1" smtClean="0">
                           <a:solidFill>
-                            <a:schemeClr val="tx1"/>
+                            <a:srgbClr val="FF0000"/>
                           </a:solidFill>
                           <a:latin typeface="Cambria Math"/>
                         </a:rPr>
@@ -11807,7 +11807,7 @@
                           <m:ctrlPr>
                             <a:rPr lang="en-US" altLang="ja-JP" sz="1400" i="1">
                               <a:solidFill>
-                                <a:schemeClr val="tx1"/>
+                                <a:srgbClr val="FF0000"/>
                               </a:solidFill>
                               <a:latin typeface="Cambria Math"/>
                             </a:rPr>
@@ -11817,7 +11817,7 @@
                           <m:r>
                             <a:rPr lang="en-US" altLang="ja-JP" sz="1400" i="1">
                               <a:solidFill>
-                                <a:schemeClr val="tx1"/>
+                                <a:srgbClr val="FF0000"/>
                               </a:solidFill>
                               <a:latin typeface="Cambria Math"/>
                             </a:rPr>
@@ -11828,7 +11828,7 @@
                           <m:r>
                             <a:rPr lang="en-US" altLang="ja-JP" sz="1400" i="1">
                               <a:solidFill>
-                                <a:schemeClr val="tx1"/>
+                                <a:srgbClr val="FF0000"/>
                               </a:solidFill>
                               <a:latin typeface="Cambria Math"/>
                             </a:rPr>
@@ -11837,7 +11837,7 @@
                           <m:r>
                             <a:rPr lang="en-US" altLang="ja-JP" sz="1400" i="1">
                               <a:solidFill>
-                                <a:schemeClr val="tx1"/>
+                                <a:srgbClr val="FF0000"/>
                               </a:solidFill>
                               <a:latin typeface="Cambria Math"/>
                             </a:rPr>
@@ -11846,7 +11846,7 @@
                           <m:r>
                             <a:rPr lang="en-US" altLang="ja-JP" sz="1400" i="1">
                               <a:solidFill>
-                                <a:schemeClr val="tx1"/>
+                                <a:srgbClr val="FF0000"/>
                               </a:solidFill>
                               <a:latin typeface="Cambria Math"/>
                             </a:rPr>
@@ -11855,7 +11855,7 @@
                           <m:r>
                             <a:rPr lang="en-US" altLang="ja-JP" sz="1400" i="1">
                               <a:solidFill>
-                                <a:schemeClr val="tx1"/>
+                                <a:srgbClr val="FF0000"/>
                               </a:solidFill>
                               <a:latin typeface="Cambria Math"/>
                             </a:rPr>
@@ -11864,7 +11864,7 @@
                           <m:r>
                             <a:rPr lang="en-US" altLang="ja-JP" sz="1400" i="1">
                               <a:solidFill>
-                                <a:schemeClr val="tx1"/>
+                                <a:srgbClr val="FF0000"/>
                               </a:solidFill>
                               <a:latin typeface="Cambria Math"/>
                             </a:rPr>
@@ -11875,7 +11875,7 @@
                       <m:r>
                         <a:rPr lang="en-US" altLang="ja-JP" sz="1400" b="0" i="1" smtClean="0">
                           <a:solidFill>
-                            <a:schemeClr val="tx1"/>
+                            <a:srgbClr val="FF0000"/>
                           </a:solidFill>
                           <a:latin typeface="Cambria Math"/>
                         </a:rPr>
@@ -11886,7 +11886,7 @@
                           <m:ctrlPr>
                             <a:rPr lang="en-US" altLang="ja-JP" sz="1400" b="0" i="1" smtClean="0">
                               <a:solidFill>
-                                <a:schemeClr val="tx1"/>
+                                <a:srgbClr val="FF0000"/>
                               </a:solidFill>
                               <a:latin typeface="Cambria Math"/>
                             </a:rPr>
@@ -11898,7 +11898,7 @@
                               <m:ctrlPr>
                                 <a:rPr lang="en-US" altLang="ja-JP" sz="1400" i="1">
                                   <a:solidFill>
-                                    <a:schemeClr val="tx1"/>
+                                    <a:srgbClr val="FF0000"/>
                                   </a:solidFill>
                                   <a:latin typeface="Cambria Math"/>
                                 </a:rPr>
@@ -11908,7 +11908,7 @@
                               <m:r>
                                 <a:rPr lang="en-US" altLang="ja-JP" sz="1400" i="1">
                                   <a:solidFill>
-                                    <a:schemeClr val="tx1"/>
+                                    <a:srgbClr val="FF0000"/>
                                   </a:solidFill>
                                   <a:latin typeface="Cambria Math"/>
                                 </a:rPr>
@@ -11919,7 +11919,7 @@
                               <m:r>
                                 <a:rPr lang="en-US" altLang="ja-JP" sz="1400" i="1">
                                   <a:solidFill>
-                                    <a:schemeClr val="tx1"/>
+                                    <a:srgbClr val="FF0000"/>
                                   </a:solidFill>
                                   <a:latin typeface="Cambria Math"/>
                                 </a:rPr>
@@ -11928,7 +11928,7 @@
                               <m:r>
                                 <a:rPr lang="en-US" altLang="ja-JP" sz="1400" b="0" i="1" smtClean="0">
                                   <a:solidFill>
-                                    <a:schemeClr val="tx1"/>
+                                    <a:srgbClr val="FF0000"/>
                                   </a:solidFill>
                                   <a:latin typeface="Cambria Math"/>
                                 </a:rPr>
@@ -11937,7 +11937,7 @@
                               <m:r>
                                 <a:rPr lang="en-US" altLang="ja-JP" sz="1400" i="1">
                                   <a:solidFill>
-                                    <a:schemeClr val="tx1"/>
+                                    <a:srgbClr val="FF0000"/>
                                   </a:solidFill>
                                   <a:latin typeface="Cambria Math"/>
                                 </a:rPr>
@@ -11946,7 +11946,7 @@
                               <m:r>
                                 <a:rPr lang="en-US" altLang="ja-JP" sz="1400" i="1">
                                   <a:solidFill>
-                                    <a:schemeClr val="tx1"/>
+                                    <a:srgbClr val="FF0000"/>
                                   </a:solidFill>
                                   <a:latin typeface="Cambria Math"/>
                                 </a:rPr>
@@ -11955,7 +11955,7 @@
                               <m:r>
                                 <a:rPr lang="en-US" altLang="ja-JP" sz="1400" b="0" i="1" smtClean="0">
                                   <a:solidFill>
-                                    <a:schemeClr val="tx1"/>
+                                    <a:srgbClr val="FF0000"/>
                                   </a:solidFill>
                                   <a:latin typeface="Cambria Math"/>
                                 </a:rPr>
@@ -11964,7 +11964,7 @@
                               <m:r>
                                 <a:rPr lang="en-US" altLang="ja-JP" sz="1400" b="0" i="1" smtClean="0">
                                   <a:solidFill>
-                                    <a:schemeClr val="tx1"/>
+                                    <a:srgbClr val="FF0000"/>
                                   </a:solidFill>
                                   <a:latin typeface="Cambria Math"/>
                                 </a:rPr>
@@ -11975,7 +11975,7 @@
                           <m:r>
                             <a:rPr lang="en-US" altLang="ja-JP" sz="1400" b="0" i="1" smtClean="0">
                               <a:solidFill>
-                                <a:schemeClr val="tx1"/>
+                                <a:srgbClr val="FF0000"/>
                               </a:solidFill>
                               <a:latin typeface="Cambria Math"/>
                             </a:rPr>
@@ -11986,7 +11986,7 @@
                               <m:ctrlPr>
                                 <a:rPr lang="en-US" altLang="ja-JP" sz="1400" i="1">
                                   <a:solidFill>
-                                    <a:schemeClr val="tx1"/>
+                                    <a:srgbClr val="FF0000"/>
                                   </a:solidFill>
                                   <a:latin typeface="Cambria Math"/>
                                 </a:rPr>
@@ -11996,7 +11996,7 @@
                               <m:r>
                                 <a:rPr lang="en-US" altLang="ja-JP" sz="1400" i="1">
                                   <a:solidFill>
-                                    <a:schemeClr val="tx1"/>
+                                    <a:srgbClr val="FF0000"/>
                                   </a:solidFill>
                                   <a:latin typeface="Cambria Math"/>
                                 </a:rPr>
@@ -12007,7 +12007,7 @@
                               <m:r>
                                 <a:rPr lang="en-US" altLang="ja-JP" sz="1400" i="1">
                                   <a:solidFill>
-                                    <a:schemeClr val="tx1"/>
+                                    <a:srgbClr val="FF0000"/>
                                   </a:solidFill>
                                   <a:latin typeface="Cambria Math"/>
                                 </a:rPr>
@@ -12016,7 +12016,7 @@
                               <m:r>
                                 <a:rPr lang="en-US" altLang="ja-JP" sz="1400" b="0" i="1" smtClean="0">
                                   <a:solidFill>
-                                    <a:schemeClr val="tx1"/>
+                                    <a:srgbClr val="FF0000"/>
                                   </a:solidFill>
                                   <a:latin typeface="Cambria Math"/>
                                 </a:rPr>
@@ -12025,7 +12025,7 @@
                               <m:r>
                                 <a:rPr lang="en-US" altLang="ja-JP" sz="1400" i="1">
                                   <a:solidFill>
-                                    <a:schemeClr val="tx1"/>
+                                    <a:srgbClr val="FF0000"/>
                                   </a:solidFill>
                                   <a:latin typeface="Cambria Math"/>
                                 </a:rPr>
@@ -12034,7 +12034,7 @@
                               <m:r>
                                 <a:rPr lang="en-US" altLang="ja-JP" sz="1400" i="1">
                                   <a:solidFill>
-                                    <a:schemeClr val="tx1"/>
+                                    <a:srgbClr val="FF0000"/>
                                   </a:solidFill>
                                   <a:latin typeface="Cambria Math"/>
                                 </a:rPr>
@@ -12043,7 +12043,7 @@
                               <m:r>
                                 <a:rPr lang="en-US" altLang="ja-JP" sz="1400" b="0" i="1" smtClean="0">
                                   <a:solidFill>
-                                    <a:schemeClr val="tx1"/>
+                                    <a:srgbClr val="FF0000"/>
                                   </a:solidFill>
                                   <a:latin typeface="Cambria Math"/>
                                 </a:rPr>
@@ -12052,7 +12052,7 @@
                               <m:r>
                                 <a:rPr lang="en-US" altLang="ja-JP" sz="1400" b="0" i="1" smtClean="0">
                                   <a:solidFill>
-                                    <a:schemeClr val="tx1"/>
+                                    <a:srgbClr val="FF0000"/>
                                   </a:solidFill>
                                   <a:latin typeface="Cambria Math"/>
                                 </a:rPr>
@@ -12063,7 +12063,7 @@
                           <m:r>
                             <a:rPr lang="en-US" altLang="ja-JP" sz="1400" b="0" i="1" smtClean="0">
                               <a:solidFill>
-                                <a:schemeClr val="tx1"/>
+                                <a:srgbClr val="FF0000"/>
                               </a:solidFill>
                               <a:latin typeface="Cambria Math"/>
                             </a:rPr>
@@ -12074,7 +12074,7 @@
                               <m:ctrlPr>
                                 <a:rPr lang="en-US" altLang="ja-JP" sz="1400" i="1">
                                   <a:solidFill>
-                                    <a:schemeClr val="tx1"/>
+                                    <a:srgbClr val="FF0000"/>
                                   </a:solidFill>
                                   <a:latin typeface="Cambria Math"/>
                                 </a:rPr>
@@ -12084,7 +12084,7 @@
                               <m:r>
                                 <a:rPr lang="en-US" altLang="ja-JP" sz="1400" i="1">
                                   <a:solidFill>
-                                    <a:schemeClr val="tx1"/>
+                                    <a:srgbClr val="FF0000"/>
                                   </a:solidFill>
                                   <a:latin typeface="Cambria Math"/>
                                 </a:rPr>
@@ -12095,7 +12095,7 @@
                               <m:r>
                                 <a:rPr lang="en-US" altLang="ja-JP" sz="1400" i="1">
                                   <a:solidFill>
-                                    <a:schemeClr val="tx1"/>
+                                    <a:srgbClr val="FF0000"/>
                                   </a:solidFill>
                                   <a:latin typeface="Cambria Math"/>
                                 </a:rPr>
@@ -12104,7 +12104,7 @@
                               <m:r>
                                 <a:rPr lang="en-US" altLang="ja-JP" sz="1400" i="1">
                                   <a:solidFill>
-                                    <a:schemeClr val="tx1"/>
+                                    <a:srgbClr val="FF0000"/>
                                   </a:solidFill>
                                   <a:latin typeface="Cambria Math"/>
                                 </a:rPr>
@@ -12113,7 +12113,7 @@
                               <m:r>
                                 <a:rPr lang="en-US" altLang="ja-JP" sz="1400" i="1">
                                   <a:solidFill>
-                                    <a:schemeClr val="tx1"/>
+                                    <a:srgbClr val="FF0000"/>
                                   </a:solidFill>
                                   <a:latin typeface="Cambria Math"/>
                                 </a:rPr>
@@ -12122,7 +12122,7 @@
                               <m:r>
                                 <a:rPr lang="en-US" altLang="ja-JP" sz="1400" b="0" i="1" smtClean="0">
                                   <a:solidFill>
-                                    <a:schemeClr val="tx1"/>
+                                    <a:srgbClr val="FF0000"/>
                                   </a:solidFill>
                                   <a:latin typeface="Cambria Math"/>
                                 </a:rPr>
@@ -12131,7 +12131,7 @@
                               <m:r>
                                 <a:rPr lang="en-US" altLang="ja-JP" sz="1400" b="0" i="1" smtClean="0">
                                   <a:solidFill>
-                                    <a:schemeClr val="tx1"/>
+                                    <a:srgbClr val="FF0000"/>
                                   </a:solidFill>
                                   <a:latin typeface="Cambria Math"/>
                                 </a:rPr>
@@ -12142,7 +12142,7 @@
                           <m:r>
                             <a:rPr lang="en-US" altLang="ja-JP" sz="1400" b="0" i="1" smtClean="0">
                               <a:solidFill>
-                                <a:schemeClr val="tx1"/>
+                                <a:srgbClr val="FF0000"/>
                               </a:solidFill>
                               <a:latin typeface="Cambria Math"/>
                             </a:rPr>
@@ -12153,7 +12153,7 @@
                               <m:ctrlPr>
                                 <a:rPr lang="en-US" altLang="ja-JP" sz="1400" i="1">
                                   <a:solidFill>
-                                    <a:schemeClr val="tx1"/>
+                                    <a:srgbClr val="FF0000"/>
                                   </a:solidFill>
                                   <a:latin typeface="Cambria Math"/>
                                 </a:rPr>
@@ -12163,7 +12163,7 @@
                               <m:r>
                                 <a:rPr lang="en-US" altLang="ja-JP" sz="1400" i="1">
                                   <a:solidFill>
-                                    <a:schemeClr val="tx1"/>
+                                    <a:srgbClr val="FF0000"/>
                                   </a:solidFill>
                                   <a:latin typeface="Cambria Math"/>
                                 </a:rPr>
@@ -12174,7 +12174,7 @@
                               <m:r>
                                 <a:rPr lang="en-US" altLang="ja-JP" sz="1400" i="1">
                                   <a:solidFill>
-                                    <a:schemeClr val="tx1"/>
+                                    <a:srgbClr val="FF0000"/>
                                   </a:solidFill>
                                   <a:latin typeface="Cambria Math"/>
                                 </a:rPr>
@@ -12183,7 +12183,7 @@
                               <m:r>
                                 <a:rPr lang="en-US" altLang="ja-JP" sz="1400" i="1">
                                   <a:solidFill>
-                                    <a:schemeClr val="tx1"/>
+                                    <a:srgbClr val="FF0000"/>
                                   </a:solidFill>
                                   <a:latin typeface="Cambria Math"/>
                                 </a:rPr>
@@ -12192,7 +12192,7 @@
                               <m:r>
                                 <a:rPr lang="en-US" altLang="ja-JP" sz="1400" i="1">
                                   <a:solidFill>
-                                    <a:schemeClr val="tx1"/>
+                                    <a:srgbClr val="FF0000"/>
                                   </a:solidFill>
                                   <a:latin typeface="Cambria Math"/>
                                 </a:rPr>
@@ -12201,7 +12201,7 @@
                               <m:r>
                                 <a:rPr lang="en-US" altLang="ja-JP" sz="1400" b="0" i="1" smtClean="0">
                                   <a:solidFill>
-                                    <a:schemeClr val="tx1"/>
+                                    <a:srgbClr val="FF0000"/>
                                   </a:solidFill>
                                   <a:latin typeface="Cambria Math"/>
                                 </a:rPr>
@@ -12210,7 +12210,7 @@
                               <m:r>
                                 <a:rPr lang="en-US" altLang="ja-JP" sz="1400" b="0" i="1" smtClean="0">
                                   <a:solidFill>
-                                    <a:schemeClr val="tx1"/>
+                                    <a:srgbClr val="FF0000"/>
                                   </a:solidFill>
                                   <a:latin typeface="Cambria Math"/>
                                 </a:rPr>
@@ -12221,7 +12221,7 @@
                           <m:r>
                             <a:rPr lang="en-US" altLang="ja-JP" sz="1400" b="0" i="1" smtClean="0">
                               <a:solidFill>
-                                <a:schemeClr val="tx1"/>
+                                <a:srgbClr val="FF0000"/>
                               </a:solidFill>
                               <a:latin typeface="Cambria Math"/>
                             </a:rPr>
@@ -12232,7 +12232,7 @@
                               <m:ctrlPr>
                                 <a:rPr lang="en-US" altLang="ja-JP" sz="1400" i="1">
                                   <a:solidFill>
-                                    <a:schemeClr val="tx1"/>
+                                    <a:srgbClr val="FF0000"/>
                                   </a:solidFill>
                                   <a:latin typeface="Cambria Math"/>
                                 </a:rPr>
@@ -12242,7 +12242,7 @@
                               <m:r>
                                 <a:rPr lang="en-US" altLang="ja-JP" sz="1400" i="1">
                                   <a:solidFill>
-                                    <a:schemeClr val="tx1"/>
+                                    <a:srgbClr val="FF0000"/>
                                   </a:solidFill>
                                   <a:latin typeface="Cambria Math"/>
                                 </a:rPr>
@@ -12253,7 +12253,7 @@
                               <m:r>
                                 <a:rPr lang="en-US" altLang="ja-JP" sz="1400" i="1">
                                   <a:solidFill>
-                                    <a:schemeClr val="tx1"/>
+                                    <a:srgbClr val="FF0000"/>
                                   </a:solidFill>
                                   <a:latin typeface="Cambria Math"/>
                                 </a:rPr>
@@ -12262,7 +12262,7 @@
                               <m:r>
                                 <a:rPr lang="en-US" altLang="ja-JP" sz="1400" i="1">
                                   <a:solidFill>
-                                    <a:schemeClr val="tx1"/>
+                                    <a:srgbClr val="FF0000"/>
                                   </a:solidFill>
                                   <a:latin typeface="Cambria Math"/>
                                 </a:rPr>
@@ -12271,7 +12271,7 @@
                               <m:r>
                                 <a:rPr lang="en-US" altLang="ja-JP" sz="1400" i="1">
                                   <a:solidFill>
-                                    <a:schemeClr val="tx1"/>
+                                    <a:srgbClr val="FF0000"/>
                                   </a:solidFill>
                                   <a:latin typeface="Cambria Math"/>
                                 </a:rPr>
@@ -12280,7 +12280,7 @@
                               <m:r>
                                 <a:rPr lang="en-US" altLang="ja-JP" sz="1400" b="0" i="1" smtClean="0">
                                   <a:solidFill>
-                                    <a:schemeClr val="tx1"/>
+                                    <a:srgbClr val="FF0000"/>
                                   </a:solidFill>
                                   <a:latin typeface="Cambria Math"/>
                                 </a:rPr>
@@ -12289,7 +12289,7 @@
                               <m:r>
                                 <a:rPr lang="en-US" altLang="ja-JP" sz="1400" b="0" i="1" smtClean="0">
                                   <a:solidFill>
-                                    <a:schemeClr val="tx1"/>
+                                    <a:srgbClr val="FF0000"/>
                                   </a:solidFill>
                                   <a:latin typeface="Cambria Math"/>
                                 </a:rPr>
@@ -12302,7 +12302,7 @@
                       <m:r>
                         <a:rPr lang="en-US" altLang="ja-JP" sz="1400" b="0" i="1" smtClean="0">
                           <a:solidFill>
-                            <a:schemeClr val="tx1"/>
+                            <a:srgbClr val="FF0000"/>
                           </a:solidFill>
                           <a:latin typeface="Cambria Math"/>
                         </a:rPr>
@@ -12313,7 +12313,7 @@
                           <m:ctrlPr>
                             <a:rPr lang="en-US" altLang="ja-JP" sz="1400" i="1">
                               <a:solidFill>
-                                <a:schemeClr val="tx1"/>
+                                <a:srgbClr val="FF0000"/>
                               </a:solidFill>
                               <a:latin typeface="Cambria Math"/>
                             </a:rPr>
@@ -12323,7 +12323,7 @@
                           <m:r>
                             <a:rPr lang="en-US" altLang="ja-JP" sz="1400" i="1">
                               <a:solidFill>
-                                <a:schemeClr val="tx1"/>
+                                <a:srgbClr val="FF0000"/>
                               </a:solidFill>
                               <a:latin typeface="Cambria Math"/>
                             </a:rPr>
@@ -12334,7 +12334,7 @@
                           <m:r>
                             <a:rPr lang="en-US" altLang="ja-JP" sz="1400" i="1">
                               <a:solidFill>
-                                <a:schemeClr val="tx1"/>
+                                <a:srgbClr val="FF0000"/>
                               </a:solidFill>
                               <a:latin typeface="Cambria Math"/>
                             </a:rPr>
@@ -12343,7 +12343,7 @@
                           <m:r>
                             <a:rPr lang="en-US" altLang="ja-JP" sz="1400" i="1">
                               <a:solidFill>
-                                <a:schemeClr val="tx1"/>
+                                <a:srgbClr val="FF0000"/>
                               </a:solidFill>
                               <a:latin typeface="Cambria Math"/>
                             </a:rPr>
@@ -12352,7 +12352,7 @@
                           <m:r>
                             <a:rPr lang="en-US" altLang="ja-JP" sz="1400" i="1">
                               <a:solidFill>
-                                <a:schemeClr val="tx1"/>
+                                <a:srgbClr val="FF0000"/>
                               </a:solidFill>
                               <a:latin typeface="Cambria Math"/>
                             </a:rPr>
@@ -12361,7 +12361,7 @@
                           <m:r>
                             <a:rPr lang="en-US" altLang="ja-JP" sz="1400" i="1">
                               <a:solidFill>
-                                <a:schemeClr val="tx1"/>
+                                <a:srgbClr val="FF0000"/>
                               </a:solidFill>
                               <a:latin typeface="Cambria Math"/>
                             </a:rPr>
@@ -12370,7 +12370,7 @@
                           <m:r>
                             <a:rPr lang="en-US" altLang="ja-JP" sz="1400" i="1">
                               <a:solidFill>
-                                <a:schemeClr val="tx1"/>
+                                <a:srgbClr val="FF0000"/>
                               </a:solidFill>
                               <a:latin typeface="Cambria Math"/>
                             </a:rPr>
@@ -12383,7 +12383,7 @@
                           <m:ctrlPr>
                             <a:rPr lang="en-US" altLang="ja-JP" sz="1400" i="1" smtClean="0">
                               <a:solidFill>
-                                <a:schemeClr val="tx1"/>
+                                <a:srgbClr val="FF0000"/>
                               </a:solidFill>
                               <a:latin typeface="Cambria Math"/>
                             </a:rPr>
@@ -12395,7 +12395,7 @@
                               <m:ctrlPr>
                                 <a:rPr lang="en-US" altLang="ja-JP" sz="1400" i="1" smtClean="0">
                                   <a:solidFill>
-                                    <a:schemeClr val="tx1"/>
+                                    <a:srgbClr val="FF0000"/>
                                   </a:solidFill>
                                   <a:latin typeface="Cambria Math"/>
                                 </a:rPr>
@@ -12405,7 +12405,7 @@
                               <m:r>
                                 <a:rPr lang="en-US" altLang="ja-JP" sz="1400" b="0" i="1" smtClean="0">
                                   <a:solidFill>
-                                    <a:schemeClr val="tx1"/>
+                                    <a:srgbClr val="FF0000"/>
                                   </a:solidFill>
                                   <a:latin typeface="Cambria Math"/>
                                 </a:rPr>
@@ -12416,7 +12416,7 @@
                               <m:r>
                                 <a:rPr lang="en-US" altLang="ja-JP" sz="1400" b="0" i="1" smtClean="0">
                                   <a:solidFill>
-                                    <a:schemeClr val="tx1"/>
+                                    <a:srgbClr val="FF0000"/>
                                   </a:solidFill>
                                   <a:latin typeface="Cambria Math"/>
                                 </a:rPr>
@@ -12429,7 +12429,7 @@
                           <m:r>
                             <a:rPr lang="en-US" altLang="ja-JP" sz="1400" b="0" i="1" smtClean="0">
                               <a:solidFill>
-                                <a:schemeClr val="tx1"/>
+                                <a:srgbClr val="FF0000"/>
                               </a:solidFill>
                               <a:latin typeface="Cambria Math"/>
                             </a:rPr>
@@ -12438,7 +12438,7 @@
                           <m:r>
                             <a:rPr lang="en-US" altLang="ja-JP" sz="1400" b="0" i="1" smtClean="0">
                               <a:solidFill>
-                                <a:schemeClr val="tx1"/>
+                                <a:srgbClr val="FF0000"/>
                               </a:solidFill>
                               <a:latin typeface="Cambria Math"/>
                             </a:rPr>
@@ -12447,7 +12447,7 @@
                           <m:r>
                             <a:rPr lang="en-US" altLang="ja-JP" sz="1400" b="0" i="1" smtClean="0">
                               <a:solidFill>
-                                <a:schemeClr val="tx1"/>
+                                <a:srgbClr val="FF0000"/>
                               </a:solidFill>
                               <a:latin typeface="Cambria Math"/>
                             </a:rPr>
@@ -12456,7 +12456,7 @@
                           <m:r>
                             <a:rPr lang="en-US" altLang="ja-JP" sz="1400" b="0" i="1" smtClean="0">
                               <a:solidFill>
-                                <a:schemeClr val="tx1"/>
+                                <a:srgbClr val="FF0000"/>
                               </a:solidFill>
                               <a:latin typeface="Cambria Math"/>
                             </a:rPr>
@@ -12465,7 +12465,7 @@
                           <m:r>
                             <a:rPr lang="en-US" altLang="ja-JP" sz="1400" b="0" i="1" smtClean="0">
                               <a:solidFill>
-                                <a:schemeClr val="tx1"/>
+                                <a:srgbClr val="FF0000"/>
                               </a:solidFill>
                               <a:latin typeface="Cambria Math"/>
                             </a:rPr>
@@ -12476,7 +12476,7 @@
                       <m:r>
                         <a:rPr lang="en-US" altLang="ja-JP" sz="1400" b="0" i="1" smtClean="0">
                           <a:solidFill>
-                            <a:schemeClr val="tx1"/>
+                            <a:srgbClr val="FF0000"/>
                           </a:solidFill>
                           <a:latin typeface="Cambria Math"/>
                         </a:rPr>
@@ -12487,7 +12487,7 @@
                           <m:ctrlPr>
                             <a:rPr lang="en-US" altLang="ja-JP" sz="1400" i="1">
                               <a:solidFill>
-                                <a:schemeClr val="tx1"/>
+                                <a:srgbClr val="FF0000"/>
                               </a:solidFill>
                               <a:latin typeface="Cambria Math"/>
                             </a:rPr>
@@ -12497,7 +12497,7 @@
                           <m:r>
                             <a:rPr lang="en-US" altLang="ja-JP" sz="1400" i="1">
                               <a:solidFill>
-                                <a:schemeClr val="tx1"/>
+                                <a:srgbClr val="FF0000"/>
                               </a:solidFill>
                               <a:latin typeface="Cambria Math"/>
                             </a:rPr>
@@ -12508,7 +12508,7 @@
                           <m:r>
                             <a:rPr lang="en-US" altLang="ja-JP" sz="1400" i="1">
                               <a:solidFill>
-                                <a:schemeClr val="tx1"/>
+                                <a:srgbClr val="FF0000"/>
                               </a:solidFill>
                               <a:latin typeface="Cambria Math"/>
                             </a:rPr>
@@ -12517,7 +12517,7 @@
                           <m:r>
                             <a:rPr lang="en-US" altLang="ja-JP" sz="1400" i="1">
                               <a:solidFill>
-                                <a:schemeClr val="tx1"/>
+                                <a:srgbClr val="FF0000"/>
                               </a:solidFill>
                               <a:latin typeface="Cambria Math"/>
                             </a:rPr>
@@ -12526,7 +12526,7 @@
                           <m:r>
                             <a:rPr lang="en-US" altLang="ja-JP" sz="1400" i="1">
                               <a:solidFill>
-                                <a:schemeClr val="tx1"/>
+                                <a:srgbClr val="FF0000"/>
                               </a:solidFill>
                               <a:latin typeface="Cambria Math"/>
                             </a:rPr>
@@ -12535,7 +12535,7 @@
                           <m:r>
                             <a:rPr lang="en-US" altLang="ja-JP" sz="1400" i="1">
                               <a:solidFill>
-                                <a:schemeClr val="tx1"/>
+                                <a:srgbClr val="FF0000"/>
                               </a:solidFill>
                               <a:latin typeface="Cambria Math"/>
                             </a:rPr>
@@ -12544,7 +12544,7 @@
                           <m:r>
                             <a:rPr lang="en-US" altLang="ja-JP" sz="1400" i="1">
                               <a:solidFill>
-                                <a:schemeClr val="tx1"/>
+                                <a:srgbClr val="FF0000"/>
                               </a:solidFill>
                               <a:latin typeface="Cambria Math"/>
                             </a:rPr>
@@ -12555,7 +12555,7 @@
                       <m:r>
                         <a:rPr lang="en-US" altLang="ja-JP" sz="1400" b="0" i="1" smtClean="0">
                           <a:solidFill>
-                            <a:schemeClr val="tx1"/>
+                            <a:srgbClr val="FF0000"/>
                           </a:solidFill>
                           <a:latin typeface="Cambria Math"/>
                         </a:rPr>
@@ -12566,14 +12566,14 @@
                 </a14:m>
                 <a:endParaRPr kumimoji="1" lang="ja-JP" altLang="en-US" sz="1400" dirty="0">
                   <a:solidFill>
-                    <a:schemeClr val="tx1"/>
+                    <a:srgbClr val="FF0000"/>
                   </a:solidFill>
                 </a:endParaRPr>
               </a:p>
             </p:txBody>
           </p:sp>
         </mc:Choice>
-        <mc:Fallback xmlns="">
+        <mc:Fallback>
           <p:sp>
             <p:nvSpPr>
               <p:cNvPr id="9" name="テキスト ボックス 8"/>
@@ -12584,7 +12584,7 @@
             </p:nvSpPr>
             <p:spPr>
               <a:xfrm>
-                <a:off x="232094" y="1018612"/>
+                <a:off x="376110" y="758008"/>
                 <a:ext cx="8516370" cy="340158"/>
               </a:xfrm>
               <a:prstGeom prst="rect">
@@ -12612,8 +12612,8 @@
           </p:sp>
         </mc:Fallback>
       </mc:AlternateContent>
-      <mc:AlternateContent xmlns:mc="http://schemas.openxmlformats.org/markup-compatibility/2006" xmlns:a14="http://schemas.microsoft.com/office/drawing/2010/main">
-        <mc:Choice Requires="a14">
+      <mc:AlternateContent xmlns:mc="http://schemas.openxmlformats.org/markup-compatibility/2006">
+        <mc:Choice xmlns:a14="http://schemas.microsoft.com/office/drawing/2010/main" Requires="a14">
           <p:sp>
             <p:nvSpPr>
               <p:cNvPr id="10" name="テキスト ボックス 9"/>
@@ -12622,7 +12622,7 @@
             </p:nvSpPr>
             <p:spPr>
               <a:xfrm>
-                <a:off x="232094" y="1398534"/>
+                <a:off x="388840" y="1072618"/>
                 <a:ext cx="7777385" cy="340158"/>
               </a:xfrm>
               <a:prstGeom prst="rect">
@@ -12648,7 +12648,7 @@
                           <m:ctrlPr>
                             <a:rPr kumimoji="1" lang="en-US" altLang="ja-JP" sz="1400" b="0" i="1" smtClean="0">
                               <a:solidFill>
-                                <a:schemeClr val="tx1"/>
+                                <a:srgbClr val="FF0000"/>
                               </a:solidFill>
                               <a:latin typeface="Cambria Math"/>
                             </a:rPr>
@@ -12658,7 +12658,7 @@
                           <m:r>
                             <a:rPr kumimoji="1" lang="en-US" altLang="ja-JP" sz="1400" b="0" i="1" smtClean="0">
                               <a:solidFill>
-                                <a:schemeClr val="tx1"/>
+                                <a:srgbClr val="FF0000"/>
                               </a:solidFill>
                               <a:latin typeface="Cambria Math"/>
                             </a:rPr>
@@ -12669,7 +12669,7 @@
                           <m:r>
                             <a:rPr kumimoji="1" lang="en-US" altLang="ja-JP" sz="1400" b="0" i="1" smtClean="0">
                               <a:solidFill>
-                                <a:schemeClr val="tx1"/>
+                                <a:srgbClr val="FF0000"/>
                               </a:solidFill>
                               <a:latin typeface="Cambria Math"/>
                             </a:rPr>
@@ -12678,7 +12678,7 @@
                           <m:r>
                             <a:rPr kumimoji="1" lang="en-US" altLang="ja-JP" sz="1400" b="0" i="1" smtClean="0">
                               <a:solidFill>
-                                <a:schemeClr val="tx1"/>
+                                <a:srgbClr val="FF0000"/>
                               </a:solidFill>
                               <a:latin typeface="Cambria Math"/>
                             </a:rPr>
@@ -12687,7 +12687,7 @@
                           <m:r>
                             <a:rPr kumimoji="1" lang="en-US" altLang="ja-JP" sz="1400" b="0" i="1" smtClean="0">
                               <a:solidFill>
-                                <a:schemeClr val="tx1"/>
+                                <a:srgbClr val="FF0000"/>
                               </a:solidFill>
                               <a:latin typeface="Cambria Math"/>
                             </a:rPr>
@@ -12696,7 +12696,7 @@
                           <m:r>
                             <a:rPr kumimoji="1" lang="en-US" altLang="ja-JP" sz="1400" b="0" i="1" smtClean="0">
                               <a:solidFill>
-                                <a:schemeClr val="tx1"/>
+                                <a:srgbClr val="FF0000"/>
                               </a:solidFill>
                               <a:latin typeface="Cambria Math"/>
                             </a:rPr>
@@ -12705,7 +12705,7 @@
                           <m:r>
                             <a:rPr kumimoji="1" lang="en-US" altLang="ja-JP" sz="1400" b="0" i="1" smtClean="0">
                               <a:solidFill>
-                                <a:schemeClr val="tx1"/>
+                                <a:srgbClr val="FF0000"/>
                               </a:solidFill>
                               <a:latin typeface="Cambria Math"/>
                             </a:rPr>
@@ -12714,7 +12714,7 @@
                           <m:r>
                             <a:rPr kumimoji="1" lang="en-US" altLang="ja-JP" sz="1400" b="0" i="1" smtClean="0">
                               <a:solidFill>
-                                <a:schemeClr val="tx1"/>
+                                <a:srgbClr val="FF0000"/>
                               </a:solidFill>
                               <a:latin typeface="Cambria Math"/>
                             </a:rPr>
@@ -12725,7 +12725,7 @@
                       <m:r>
                         <a:rPr kumimoji="1" lang="en-US" altLang="ja-JP" sz="1400" i="1" smtClean="0">
                           <a:solidFill>
-                            <a:schemeClr val="tx1"/>
+                            <a:srgbClr val="FF0000"/>
                           </a:solidFill>
                           <a:latin typeface="Cambria Math"/>
                         </a:rPr>
@@ -12736,7 +12736,7 @@
                           <m:ctrlPr>
                             <a:rPr lang="en-US" altLang="ja-JP" sz="1400" i="1">
                               <a:solidFill>
-                                <a:schemeClr val="tx1"/>
+                                <a:srgbClr val="FF0000"/>
                               </a:solidFill>
                               <a:latin typeface="Cambria Math"/>
                             </a:rPr>
@@ -12746,7 +12746,7 @@
                           <m:r>
                             <a:rPr lang="en-US" altLang="ja-JP" sz="1400" b="0" i="1" smtClean="0">
                               <a:solidFill>
-                                <a:schemeClr val="tx1"/>
+                                <a:srgbClr val="FF0000"/>
                               </a:solidFill>
                               <a:latin typeface="Cambria Math"/>
                             </a:rPr>
@@ -12757,7 +12757,7 @@
                           <m:r>
                             <a:rPr lang="en-US" altLang="ja-JP" sz="1400" i="1">
                               <a:solidFill>
-                                <a:schemeClr val="tx1"/>
+                                <a:srgbClr val="FF0000"/>
                               </a:solidFill>
                               <a:latin typeface="Cambria Math"/>
                             </a:rPr>
@@ -12766,7 +12766,7 @@
                           <m:r>
                             <a:rPr lang="en-US" altLang="ja-JP" sz="1400" i="1">
                               <a:solidFill>
-                                <a:schemeClr val="tx1"/>
+                                <a:srgbClr val="FF0000"/>
                               </a:solidFill>
                               <a:latin typeface="Cambria Math"/>
                             </a:rPr>
@@ -12775,7 +12775,7 @@
                           <m:r>
                             <a:rPr lang="en-US" altLang="ja-JP" sz="1400" i="1">
                               <a:solidFill>
-                                <a:schemeClr val="tx1"/>
+                                <a:srgbClr val="FF0000"/>
                               </a:solidFill>
                               <a:latin typeface="Cambria Math"/>
                             </a:rPr>
@@ -12784,7 +12784,7 @@
                           <m:r>
                             <a:rPr lang="en-US" altLang="ja-JP" sz="1400" i="1">
                               <a:solidFill>
-                                <a:schemeClr val="tx1"/>
+                                <a:srgbClr val="FF0000"/>
                               </a:solidFill>
                               <a:latin typeface="Cambria Math"/>
                             </a:rPr>
@@ -12793,7 +12793,7 @@
                           <m:r>
                             <a:rPr lang="en-US" altLang="ja-JP" sz="1400" i="1">
                               <a:solidFill>
-                                <a:schemeClr val="tx1"/>
+                                <a:srgbClr val="FF0000"/>
                               </a:solidFill>
                               <a:latin typeface="Cambria Math"/>
                             </a:rPr>
@@ -12804,7 +12804,7 @@
                       <m:r>
                         <a:rPr lang="en-US" altLang="ja-JP" sz="1400" b="0" i="1" smtClean="0">
                           <a:solidFill>
-                            <a:schemeClr val="tx1"/>
+                            <a:srgbClr val="FF0000"/>
                           </a:solidFill>
                           <a:latin typeface="Cambria Math"/>
                         </a:rPr>
@@ -12815,7 +12815,7 @@
                           <m:ctrlPr>
                             <a:rPr lang="en-US" altLang="ja-JP" sz="1400" b="0" i="1" smtClean="0">
                               <a:solidFill>
-                                <a:schemeClr val="tx1"/>
+                                <a:srgbClr val="FF0000"/>
                               </a:solidFill>
                               <a:latin typeface="Cambria Math"/>
                             </a:rPr>
@@ -12827,7 +12827,7 @@
                               <m:ctrlPr>
                                 <a:rPr lang="en-US" altLang="ja-JP" sz="1400" i="1">
                                   <a:solidFill>
-                                    <a:schemeClr val="tx1"/>
+                                    <a:srgbClr val="FF0000"/>
                                   </a:solidFill>
                                   <a:latin typeface="Cambria Math"/>
                                 </a:rPr>
@@ -12837,7 +12837,7 @@
                               <m:r>
                                 <a:rPr lang="en-US" altLang="ja-JP" sz="1400" i="1">
                                   <a:solidFill>
-                                    <a:schemeClr val="tx1"/>
+                                    <a:srgbClr val="FF0000"/>
                                   </a:solidFill>
                                   <a:latin typeface="Cambria Math"/>
                                 </a:rPr>
@@ -12848,7 +12848,7 @@
                               <m:r>
                                 <a:rPr lang="en-US" altLang="ja-JP" sz="1400" i="1">
                                   <a:solidFill>
-                                    <a:schemeClr val="tx1"/>
+                                    <a:srgbClr val="FF0000"/>
                                   </a:solidFill>
                                   <a:latin typeface="Cambria Math"/>
                                 </a:rPr>
@@ -12857,7 +12857,7 @@
                               <m:r>
                                 <a:rPr lang="en-US" altLang="ja-JP" sz="1400" b="0" i="1" smtClean="0">
                                   <a:solidFill>
-                                    <a:schemeClr val="tx1"/>
+                                    <a:srgbClr val="FF0000"/>
                                   </a:solidFill>
                                   <a:latin typeface="Cambria Math"/>
                                 </a:rPr>
@@ -12866,7 +12866,7 @@
                               <m:r>
                                 <a:rPr lang="en-US" altLang="ja-JP" sz="1400" i="1">
                                   <a:solidFill>
-                                    <a:schemeClr val="tx1"/>
+                                    <a:srgbClr val="FF0000"/>
                                   </a:solidFill>
                                   <a:latin typeface="Cambria Math"/>
                                 </a:rPr>
@@ -12875,7 +12875,7 @@
                               <m:r>
                                 <a:rPr lang="en-US" altLang="ja-JP" sz="1400" i="1">
                                   <a:solidFill>
-                                    <a:schemeClr val="tx1"/>
+                                    <a:srgbClr val="FF0000"/>
                                   </a:solidFill>
                                   <a:latin typeface="Cambria Math"/>
                                 </a:rPr>
@@ -12884,7 +12884,7 @@
                               <m:r>
                                 <a:rPr lang="en-US" altLang="ja-JP" sz="1400" b="0" i="1" smtClean="0">
                                   <a:solidFill>
-                                    <a:schemeClr val="tx1"/>
+                                    <a:srgbClr val="FF0000"/>
                                   </a:solidFill>
                                   <a:latin typeface="Cambria Math"/>
                                 </a:rPr>
@@ -12893,7 +12893,7 @@
                               <m:r>
                                 <a:rPr lang="en-US" altLang="ja-JP" sz="1400" b="0" i="1" smtClean="0">
                                   <a:solidFill>
-                                    <a:schemeClr val="tx1"/>
+                                    <a:srgbClr val="FF0000"/>
                                   </a:solidFill>
                                   <a:latin typeface="Cambria Math"/>
                                 </a:rPr>
@@ -12904,7 +12904,7 @@
                           <m:r>
                             <a:rPr lang="en-US" altLang="ja-JP" sz="1400" b="0" i="1" smtClean="0">
                               <a:solidFill>
-                                <a:schemeClr val="tx1"/>
+                                <a:srgbClr val="FF0000"/>
                               </a:solidFill>
                               <a:latin typeface="Cambria Math"/>
                             </a:rPr>
@@ -12915,7 +12915,7 @@
                               <m:ctrlPr>
                                 <a:rPr lang="en-US" altLang="ja-JP" sz="1400" i="1">
                                   <a:solidFill>
-                                    <a:schemeClr val="tx1"/>
+                                    <a:srgbClr val="FF0000"/>
                                   </a:solidFill>
                                   <a:latin typeface="Cambria Math"/>
                                 </a:rPr>
@@ -12925,7 +12925,7 @@
                               <m:r>
                                 <a:rPr lang="en-US" altLang="ja-JP" sz="1400" i="1">
                                   <a:solidFill>
-                                    <a:schemeClr val="tx1"/>
+                                    <a:srgbClr val="FF0000"/>
                                   </a:solidFill>
                                   <a:latin typeface="Cambria Math"/>
                                 </a:rPr>
@@ -12936,7 +12936,7 @@
                               <m:r>
                                 <a:rPr lang="en-US" altLang="ja-JP" sz="1400" i="1">
                                   <a:solidFill>
-                                    <a:schemeClr val="tx1"/>
+                                    <a:srgbClr val="FF0000"/>
                                   </a:solidFill>
                                   <a:latin typeface="Cambria Math"/>
                                 </a:rPr>
@@ -12945,7 +12945,7 @@
                               <m:r>
                                 <a:rPr lang="en-US" altLang="ja-JP" sz="1400" b="0" i="1" smtClean="0">
                                   <a:solidFill>
-                                    <a:schemeClr val="tx1"/>
+                                    <a:srgbClr val="FF0000"/>
                                   </a:solidFill>
                                   <a:latin typeface="Cambria Math"/>
                                 </a:rPr>
@@ -12954,7 +12954,7 @@
                               <m:r>
                                 <a:rPr lang="en-US" altLang="ja-JP" sz="1400" i="1">
                                   <a:solidFill>
-                                    <a:schemeClr val="tx1"/>
+                                    <a:srgbClr val="FF0000"/>
                                   </a:solidFill>
                                   <a:latin typeface="Cambria Math"/>
                                 </a:rPr>
@@ -12963,7 +12963,7 @@
                               <m:r>
                                 <a:rPr lang="en-US" altLang="ja-JP" sz="1400" i="1">
                                   <a:solidFill>
-                                    <a:schemeClr val="tx1"/>
+                                    <a:srgbClr val="FF0000"/>
                                   </a:solidFill>
                                   <a:latin typeface="Cambria Math"/>
                                 </a:rPr>
@@ -12972,7 +12972,7 @@
                               <m:r>
                                 <a:rPr lang="en-US" altLang="ja-JP" sz="1400" b="0" i="1" smtClean="0">
                                   <a:solidFill>
-                                    <a:schemeClr val="tx1"/>
+                                    <a:srgbClr val="FF0000"/>
                                   </a:solidFill>
                                   <a:latin typeface="Cambria Math"/>
                                 </a:rPr>
@@ -12981,7 +12981,7 @@
                               <m:r>
                                 <a:rPr lang="en-US" altLang="ja-JP" sz="1400" b="0" i="1" smtClean="0">
                                   <a:solidFill>
-                                    <a:schemeClr val="tx1"/>
+                                    <a:srgbClr val="FF0000"/>
                                   </a:solidFill>
                                   <a:latin typeface="Cambria Math"/>
                                 </a:rPr>
@@ -12992,7 +12992,7 @@
                           <m:r>
                             <a:rPr lang="en-US" altLang="ja-JP" sz="1400" b="0" i="1" smtClean="0">
                               <a:solidFill>
-                                <a:schemeClr val="tx1"/>
+                                <a:srgbClr val="FF0000"/>
                               </a:solidFill>
                               <a:latin typeface="Cambria Math"/>
                             </a:rPr>
@@ -13003,7 +13003,7 @@
                               <m:ctrlPr>
                                 <a:rPr lang="en-US" altLang="ja-JP" sz="1400" i="1">
                                   <a:solidFill>
-                                    <a:schemeClr val="tx1"/>
+                                    <a:srgbClr val="FF0000"/>
                                   </a:solidFill>
                                   <a:latin typeface="Cambria Math"/>
                                 </a:rPr>
@@ -13013,7 +13013,7 @@
                               <m:r>
                                 <a:rPr lang="en-US" altLang="ja-JP" sz="1400" i="1">
                                   <a:solidFill>
-                                    <a:schemeClr val="tx1"/>
+                                    <a:srgbClr val="FF0000"/>
                                   </a:solidFill>
                                   <a:latin typeface="Cambria Math"/>
                                 </a:rPr>
@@ -13024,7 +13024,7 @@
                               <m:r>
                                 <a:rPr lang="en-US" altLang="ja-JP" sz="1400" i="1">
                                   <a:solidFill>
-                                    <a:schemeClr val="tx1"/>
+                                    <a:srgbClr val="FF0000"/>
                                   </a:solidFill>
                                   <a:latin typeface="Cambria Math"/>
                                 </a:rPr>
@@ -13033,7 +13033,7 @@
                               <m:r>
                                 <a:rPr lang="en-US" altLang="ja-JP" sz="1400" i="1">
                                   <a:solidFill>
-                                    <a:schemeClr val="tx1"/>
+                                    <a:srgbClr val="FF0000"/>
                                   </a:solidFill>
                                   <a:latin typeface="Cambria Math"/>
                                 </a:rPr>
@@ -13042,7 +13042,7 @@
                               <m:r>
                                 <a:rPr lang="en-US" altLang="ja-JP" sz="1400" i="1">
                                   <a:solidFill>
-                                    <a:schemeClr val="tx1"/>
+                                    <a:srgbClr val="FF0000"/>
                                   </a:solidFill>
                                   <a:latin typeface="Cambria Math"/>
                                 </a:rPr>
@@ -13051,7 +13051,7 @@
                               <m:r>
                                 <a:rPr lang="en-US" altLang="ja-JP" sz="1400" b="0" i="1" smtClean="0">
                                   <a:solidFill>
-                                    <a:schemeClr val="tx1"/>
+                                    <a:srgbClr val="FF0000"/>
                                   </a:solidFill>
                                   <a:latin typeface="Cambria Math"/>
                                 </a:rPr>
@@ -13060,7 +13060,7 @@
                               <m:r>
                                 <a:rPr lang="en-US" altLang="ja-JP" sz="1400" b="0" i="1" smtClean="0">
                                   <a:solidFill>
-                                    <a:schemeClr val="tx1"/>
+                                    <a:srgbClr val="FF0000"/>
                                   </a:solidFill>
                                   <a:latin typeface="Cambria Math"/>
                                 </a:rPr>
@@ -13071,7 +13071,7 @@
                           <m:r>
                             <a:rPr lang="en-US" altLang="ja-JP" sz="1400" b="0" i="1" smtClean="0">
                               <a:solidFill>
-                                <a:schemeClr val="tx1"/>
+                                <a:srgbClr val="FF0000"/>
                               </a:solidFill>
                               <a:latin typeface="Cambria Math"/>
                             </a:rPr>
@@ -13082,7 +13082,7 @@
                               <m:ctrlPr>
                                 <a:rPr lang="en-US" altLang="ja-JP" sz="1400" i="1">
                                   <a:solidFill>
-                                    <a:schemeClr val="tx1"/>
+                                    <a:srgbClr val="FF0000"/>
                                   </a:solidFill>
                                   <a:latin typeface="Cambria Math"/>
                                 </a:rPr>
@@ -13092,7 +13092,7 @@
                               <m:r>
                                 <a:rPr lang="en-US" altLang="ja-JP" sz="1400" i="1">
                                   <a:solidFill>
-                                    <a:schemeClr val="tx1"/>
+                                    <a:srgbClr val="FF0000"/>
                                   </a:solidFill>
                                   <a:latin typeface="Cambria Math"/>
                                 </a:rPr>
@@ -13103,7 +13103,7 @@
                               <m:r>
                                 <a:rPr lang="en-US" altLang="ja-JP" sz="1400" i="1">
                                   <a:solidFill>
-                                    <a:schemeClr val="tx1"/>
+                                    <a:srgbClr val="FF0000"/>
                                   </a:solidFill>
                                   <a:latin typeface="Cambria Math"/>
                                 </a:rPr>
@@ -13112,7 +13112,7 @@
                               <m:r>
                                 <a:rPr lang="en-US" altLang="ja-JP" sz="1400" i="1">
                                   <a:solidFill>
-                                    <a:schemeClr val="tx1"/>
+                                    <a:srgbClr val="FF0000"/>
                                   </a:solidFill>
                                   <a:latin typeface="Cambria Math"/>
                                 </a:rPr>
@@ -13121,7 +13121,7 @@
                               <m:r>
                                 <a:rPr lang="en-US" altLang="ja-JP" sz="1400" i="1">
                                   <a:solidFill>
-                                    <a:schemeClr val="tx1"/>
+                                    <a:srgbClr val="FF0000"/>
                                   </a:solidFill>
                                   <a:latin typeface="Cambria Math"/>
                                 </a:rPr>
@@ -13130,7 +13130,7 @@
                               <m:r>
                                 <a:rPr lang="en-US" altLang="ja-JP" sz="1400" b="0" i="1" smtClean="0">
                                   <a:solidFill>
-                                    <a:schemeClr val="tx1"/>
+                                    <a:srgbClr val="FF0000"/>
                                   </a:solidFill>
                                   <a:latin typeface="Cambria Math"/>
                                 </a:rPr>
@@ -13139,7 +13139,7 @@
                               <m:r>
                                 <a:rPr lang="en-US" altLang="ja-JP" sz="1400" b="0" i="1" smtClean="0">
                                   <a:solidFill>
-                                    <a:schemeClr val="tx1"/>
+                                    <a:srgbClr val="FF0000"/>
                                   </a:solidFill>
                                   <a:latin typeface="Cambria Math"/>
                                 </a:rPr>
@@ -13150,7 +13150,7 @@
                           <m:r>
                             <a:rPr lang="en-US" altLang="ja-JP" sz="1400" b="0" i="1" smtClean="0">
                               <a:solidFill>
-                                <a:schemeClr val="tx1"/>
+                                <a:srgbClr val="FF0000"/>
                               </a:solidFill>
                               <a:latin typeface="Cambria Math"/>
                             </a:rPr>
@@ -13161,7 +13161,7 @@
                               <m:ctrlPr>
                                 <a:rPr lang="en-US" altLang="ja-JP" sz="1400" i="1">
                                   <a:solidFill>
-                                    <a:schemeClr val="tx1"/>
+                                    <a:srgbClr val="FF0000"/>
                                   </a:solidFill>
                                   <a:latin typeface="Cambria Math"/>
                                 </a:rPr>
@@ -13171,7 +13171,7 @@
                               <m:r>
                                 <a:rPr lang="en-US" altLang="ja-JP" sz="1400" i="1">
                                   <a:solidFill>
-                                    <a:schemeClr val="tx1"/>
+                                    <a:srgbClr val="FF0000"/>
                                   </a:solidFill>
                                   <a:latin typeface="Cambria Math"/>
                                 </a:rPr>
@@ -13182,7 +13182,7 @@
                               <m:r>
                                 <a:rPr lang="en-US" altLang="ja-JP" sz="1400" i="1">
                                   <a:solidFill>
-                                    <a:schemeClr val="tx1"/>
+                                    <a:srgbClr val="FF0000"/>
                                   </a:solidFill>
                                   <a:latin typeface="Cambria Math"/>
                                 </a:rPr>
@@ -13191,7 +13191,7 @@
                               <m:r>
                                 <a:rPr lang="en-US" altLang="ja-JP" sz="1400" i="1">
                                   <a:solidFill>
-                                    <a:schemeClr val="tx1"/>
+                                    <a:srgbClr val="FF0000"/>
                                   </a:solidFill>
                                   <a:latin typeface="Cambria Math"/>
                                 </a:rPr>
@@ -13200,7 +13200,7 @@
                               <m:r>
                                 <a:rPr lang="en-US" altLang="ja-JP" sz="1400" i="1">
                                   <a:solidFill>
-                                    <a:schemeClr val="tx1"/>
+                                    <a:srgbClr val="FF0000"/>
                                   </a:solidFill>
                                   <a:latin typeface="Cambria Math"/>
                                 </a:rPr>
@@ -13209,7 +13209,7 @@
                               <m:r>
                                 <a:rPr lang="en-US" altLang="ja-JP" sz="1400" b="0" i="1" smtClean="0">
                                   <a:solidFill>
-                                    <a:schemeClr val="tx1"/>
+                                    <a:srgbClr val="FF0000"/>
                                   </a:solidFill>
                                   <a:latin typeface="Cambria Math"/>
                                 </a:rPr>
@@ -13218,7 +13218,7 @@
                               <m:r>
                                 <a:rPr lang="en-US" altLang="ja-JP" sz="1400" b="0" i="1" smtClean="0">
                                   <a:solidFill>
-                                    <a:schemeClr val="tx1"/>
+                                    <a:srgbClr val="FF0000"/>
                                   </a:solidFill>
                                   <a:latin typeface="Cambria Math"/>
                                 </a:rPr>
@@ -13231,7 +13231,7 @@
                       <m:r>
                         <a:rPr lang="en-US" altLang="ja-JP" sz="1400" b="0" i="1" smtClean="0">
                           <a:solidFill>
-                            <a:schemeClr val="tx1"/>
+                            <a:srgbClr val="FF0000"/>
                           </a:solidFill>
                           <a:latin typeface="Cambria Math"/>
                         </a:rPr>
@@ -13242,7 +13242,7 @@
                           <m:ctrlPr>
                             <a:rPr lang="en-US" altLang="ja-JP" sz="1400" i="1">
                               <a:solidFill>
-                                <a:schemeClr val="tx1"/>
+                                <a:srgbClr val="FF0000"/>
                               </a:solidFill>
                               <a:latin typeface="Cambria Math"/>
                             </a:rPr>
@@ -13252,7 +13252,7 @@
                           <m:r>
                             <a:rPr lang="en-US" altLang="ja-JP" sz="1400" i="1">
                               <a:solidFill>
-                                <a:schemeClr val="tx1"/>
+                                <a:srgbClr val="FF0000"/>
                               </a:solidFill>
                               <a:latin typeface="Cambria Math"/>
                             </a:rPr>
@@ -13263,7 +13263,7 @@
                           <m:r>
                             <a:rPr lang="en-US" altLang="ja-JP" sz="1400" i="1">
                               <a:solidFill>
-                                <a:schemeClr val="tx1"/>
+                                <a:srgbClr val="FF0000"/>
                               </a:solidFill>
                               <a:latin typeface="Cambria Math"/>
                             </a:rPr>
@@ -13272,7 +13272,7 @@
                           <m:r>
                             <a:rPr lang="en-US" altLang="ja-JP" sz="1400" i="1">
                               <a:solidFill>
-                                <a:schemeClr val="tx1"/>
+                                <a:srgbClr val="FF0000"/>
                               </a:solidFill>
                               <a:latin typeface="Cambria Math"/>
                             </a:rPr>
@@ -13281,7 +13281,7 @@
                           <m:r>
                             <a:rPr lang="en-US" altLang="ja-JP" sz="1400" i="1">
                               <a:solidFill>
-                                <a:schemeClr val="tx1"/>
+                                <a:srgbClr val="FF0000"/>
                               </a:solidFill>
                               <a:latin typeface="Cambria Math"/>
                             </a:rPr>
@@ -13290,7 +13290,7 @@
                           <m:r>
                             <a:rPr lang="en-US" altLang="ja-JP" sz="1400" i="1">
                               <a:solidFill>
-                                <a:schemeClr val="tx1"/>
+                                <a:srgbClr val="FF0000"/>
                               </a:solidFill>
                               <a:latin typeface="Cambria Math"/>
                             </a:rPr>
@@ -13299,7 +13299,7 @@
                           <m:r>
                             <a:rPr lang="en-US" altLang="ja-JP" sz="1400" i="1">
                               <a:solidFill>
-                                <a:schemeClr val="tx1"/>
+                                <a:srgbClr val="FF0000"/>
                               </a:solidFill>
                               <a:latin typeface="Cambria Math"/>
                             </a:rPr>
@@ -13312,7 +13312,7 @@
                           <m:ctrlPr>
                             <a:rPr lang="en-US" altLang="ja-JP" sz="1400" i="1" smtClean="0">
                               <a:solidFill>
-                                <a:schemeClr val="tx1"/>
+                                <a:srgbClr val="FF0000"/>
                               </a:solidFill>
                               <a:latin typeface="Cambria Math"/>
                             </a:rPr>
@@ -13324,7 +13324,7 @@
                               <m:ctrlPr>
                                 <a:rPr lang="en-US" altLang="ja-JP" sz="1400" i="1" smtClean="0">
                                   <a:solidFill>
-                                    <a:schemeClr val="tx1"/>
+                                    <a:srgbClr val="FF0000"/>
                                   </a:solidFill>
                                   <a:latin typeface="Cambria Math"/>
                                 </a:rPr>
@@ -13334,7 +13334,7 @@
                               <m:r>
                                 <a:rPr lang="en-US" altLang="ja-JP" sz="1400" b="0" i="1" smtClean="0">
                                   <a:solidFill>
-                                    <a:schemeClr val="tx1"/>
+                                    <a:srgbClr val="FF0000"/>
                                   </a:solidFill>
                                   <a:latin typeface="Cambria Math"/>
                                 </a:rPr>
@@ -13345,7 +13345,7 @@
                               <m:r>
                                 <a:rPr lang="en-US" altLang="ja-JP" sz="1400" b="0" i="1" smtClean="0">
                                   <a:solidFill>
-                                    <a:schemeClr val="tx1"/>
+                                    <a:srgbClr val="FF0000"/>
                                   </a:solidFill>
                                   <a:latin typeface="Cambria Math"/>
                                 </a:rPr>
@@ -13358,7 +13358,7 @@
                           <m:r>
                             <a:rPr lang="en-US" altLang="ja-JP" sz="1400" b="0" i="1" smtClean="0">
                               <a:solidFill>
-                                <a:schemeClr val="tx1"/>
+                                <a:srgbClr val="FF0000"/>
                               </a:solidFill>
                               <a:latin typeface="Cambria Math"/>
                             </a:rPr>
@@ -13367,7 +13367,7 @@
                           <m:r>
                             <a:rPr lang="en-US" altLang="ja-JP" sz="1400" b="0" i="1" smtClean="0">
                               <a:solidFill>
-                                <a:schemeClr val="tx1"/>
+                                <a:srgbClr val="FF0000"/>
                               </a:solidFill>
                               <a:latin typeface="Cambria Math"/>
                             </a:rPr>
@@ -13376,7 +13376,7 @@
                           <m:r>
                             <a:rPr lang="en-US" altLang="ja-JP" sz="1400" b="0" i="1" smtClean="0">
                               <a:solidFill>
-                                <a:schemeClr val="tx1"/>
+                                <a:srgbClr val="FF0000"/>
                               </a:solidFill>
                               <a:latin typeface="Cambria Math"/>
                             </a:rPr>
@@ -13385,7 +13385,7 @@
                           <m:r>
                             <a:rPr lang="en-US" altLang="ja-JP" sz="1400" b="0" i="1" smtClean="0">
                               <a:solidFill>
-                                <a:schemeClr val="tx1"/>
+                                <a:srgbClr val="FF0000"/>
                               </a:solidFill>
                               <a:latin typeface="Cambria Math"/>
                             </a:rPr>
@@ -13394,7 +13394,7 @@
                           <m:r>
                             <a:rPr lang="en-US" altLang="ja-JP" sz="1400" b="0" i="1" smtClean="0">
                               <a:solidFill>
-                                <a:schemeClr val="tx1"/>
+                                <a:srgbClr val="FF0000"/>
                               </a:solidFill>
                               <a:latin typeface="Cambria Math"/>
                             </a:rPr>
@@ -13405,7 +13405,7 @@
                       <m:r>
                         <a:rPr lang="en-US" altLang="ja-JP" sz="1400" b="0" i="1" smtClean="0">
                           <a:solidFill>
-                            <a:schemeClr val="tx1"/>
+                            <a:srgbClr val="FF0000"/>
                           </a:solidFill>
                           <a:latin typeface="Cambria Math"/>
                         </a:rPr>
@@ -13414,7 +13414,7 @@
                       <m:r>
                         <a:rPr lang="en-US" altLang="ja-JP" sz="1400" i="1">
                           <a:solidFill>
-                            <a:schemeClr val="tx1"/>
+                            <a:srgbClr val="FF0000"/>
                           </a:solidFill>
                           <a:latin typeface="Cambria Math"/>
                         </a:rPr>
@@ -13423,7 +13423,7 @@
                       <m:r>
                         <a:rPr lang="en-US" altLang="ja-JP" sz="1400" b="0" i="1" smtClean="0">
                           <a:solidFill>
-                            <a:schemeClr val="tx1"/>
+                            <a:srgbClr val="FF0000"/>
                           </a:solidFill>
                           <a:latin typeface="Cambria Math"/>
                         </a:rPr>
@@ -13434,7 +13434,7 @@
                           <m:ctrlPr>
                             <a:rPr lang="en-US" altLang="ja-JP" sz="1400" i="1">
                               <a:solidFill>
-                                <a:schemeClr val="tx1"/>
+                                <a:srgbClr val="FF0000"/>
                               </a:solidFill>
                               <a:latin typeface="Cambria Math"/>
                             </a:rPr>
@@ -13444,7 +13444,7 @@
                           <m:r>
                             <a:rPr lang="en-US" altLang="ja-JP" sz="1400" i="1">
                               <a:solidFill>
-                                <a:schemeClr val="tx1"/>
+                                <a:srgbClr val="FF0000"/>
                               </a:solidFill>
                               <a:latin typeface="Cambria Math"/>
                             </a:rPr>
@@ -13455,7 +13455,7 @@
                           <m:r>
                             <a:rPr lang="en-US" altLang="ja-JP" sz="1400" i="1">
                               <a:solidFill>
-                                <a:schemeClr val="tx1"/>
+                                <a:srgbClr val="FF0000"/>
                               </a:solidFill>
                               <a:latin typeface="Cambria Math"/>
                             </a:rPr>
@@ -13464,7 +13464,7 @@
                           <m:r>
                             <a:rPr lang="en-US" altLang="ja-JP" sz="1400" i="1">
                               <a:solidFill>
-                                <a:schemeClr val="tx1"/>
+                                <a:srgbClr val="FF0000"/>
                               </a:solidFill>
                               <a:latin typeface="Cambria Math"/>
                             </a:rPr>
@@ -13473,7 +13473,7 @@
                           <m:r>
                             <a:rPr lang="en-US" altLang="ja-JP" sz="1400" i="1">
                               <a:solidFill>
-                                <a:schemeClr val="tx1"/>
+                                <a:srgbClr val="FF0000"/>
                               </a:solidFill>
                               <a:latin typeface="Cambria Math"/>
                             </a:rPr>
@@ -13482,7 +13482,7 @@
                           <m:r>
                             <a:rPr lang="en-US" altLang="ja-JP" sz="1400" i="1">
                               <a:solidFill>
-                                <a:schemeClr val="tx1"/>
+                                <a:srgbClr val="FF0000"/>
                               </a:solidFill>
                               <a:latin typeface="Cambria Math"/>
                             </a:rPr>
@@ -13491,7 +13491,7 @@
                           <m:r>
                             <a:rPr lang="en-US" altLang="ja-JP" sz="1400" i="1">
                               <a:solidFill>
-                                <a:schemeClr val="tx1"/>
+                                <a:srgbClr val="FF0000"/>
                               </a:solidFill>
                               <a:latin typeface="Cambria Math"/>
                             </a:rPr>
@@ -13504,14 +13504,14 @@
                 </a14:m>
                 <a:endParaRPr lang="ja-JP" altLang="en-US" sz="1400" dirty="0">
                   <a:solidFill>
-                    <a:schemeClr val="tx1"/>
+                    <a:srgbClr val="FF0000"/>
                   </a:solidFill>
                 </a:endParaRPr>
               </a:p>
             </p:txBody>
           </p:sp>
         </mc:Choice>
-        <mc:Fallback xmlns="">
+        <mc:Fallback>
           <p:sp>
             <p:nvSpPr>
               <p:cNvPr id="10" name="テキスト ボックス 9"/>
@@ -13522,7 +13522,7 @@
             </p:nvSpPr>
             <p:spPr>
               <a:xfrm>
-                <a:off x="232094" y="1398534"/>
+                <a:off x="388840" y="1072618"/>
                 <a:ext cx="7777385" cy="340158"/>
               </a:xfrm>
               <a:prstGeom prst="rect">
@@ -13550,8 +13550,8 @@
           </p:sp>
         </mc:Fallback>
       </mc:AlternateContent>
-      <mc:AlternateContent xmlns:mc="http://schemas.openxmlformats.org/markup-compatibility/2006" xmlns:a14="http://schemas.microsoft.com/office/drawing/2010/main">
-        <mc:Choice Requires="a14">
+      <mc:AlternateContent xmlns:mc="http://schemas.openxmlformats.org/markup-compatibility/2006">
+        <mc:Choice xmlns:a14="http://schemas.microsoft.com/office/drawing/2010/main" Requires="a14">
           <p:sp>
             <p:nvSpPr>
               <p:cNvPr id="11" name="テキスト ボックス 10"/>
@@ -13560,8 +13560,8 @@
             </p:nvSpPr>
             <p:spPr>
               <a:xfrm>
-                <a:off x="232094" y="44624"/>
-                <a:ext cx="3145476" cy="501997"/>
+                <a:off x="240258" y="44624"/>
+                <a:ext cx="7397216" cy="409086"/>
               </a:xfrm>
               <a:prstGeom prst="rect">
                 <a:avLst/>
@@ -13569,220 +13569,432 @@
               <a:noFill/>
             </p:spPr>
             <p:txBody>
-              <a:bodyPr wrap="none" rtlCol="0">
+              <a:bodyPr wrap="square" rtlCol="0">
                 <a:spAutoFit/>
               </a:bodyPr>
               <a:lstStyle/>
               <a:p>
-                <a:pPr/>
+                <a:r>
+                  <a:rPr lang="ja-JP" altLang="en-US" sz="1400" dirty="0" smtClean="0">
+                    <a:solidFill>
+                      <a:srgbClr val="FF0000"/>
+                    </a:solidFill>
+                    <a:latin typeface="Times New Roman" panose="02020603050405020304" pitchFamily="18" charset="0"/>
+                    <a:ea typeface="ＭＳ Ｐ明朝" panose="02020600040205080304" pitchFamily="18" charset="-128"/>
+                    <a:cs typeface="Times New Roman" panose="02020603050405020304" pitchFamily="18" charset="0"/>
+                  </a:rPr>
+                  <a:t>反応拡散方程式を </a:t>
+                </a:r>
                 <a14:m>
-                  <m:oMathPara xmlns:m="http://schemas.openxmlformats.org/officeDocument/2006/math">
-                    <m:oMathParaPr>
-                      <m:jc m:val="centerGroup"/>
-                    </m:oMathParaPr>
-                    <m:oMath xmlns:m="http://schemas.openxmlformats.org/officeDocument/2006/math">
-                      <m:f>
-                        <m:fPr>
-                          <m:ctrlPr>
-                            <a:rPr kumimoji="1" lang="en-US" altLang="ja-JP" sz="1400" i="1" smtClean="0">
-                              <a:solidFill>
-                                <a:schemeClr val="tx1"/>
-                              </a:solidFill>
-                              <a:latin typeface="Cambria Math"/>
-                            </a:rPr>
-                          </m:ctrlPr>
-                        </m:fPr>
-                        <m:num>
-                          <m:r>
-                            <a:rPr kumimoji="1" lang="en-US" altLang="ja-JP" sz="1400" i="1" smtClean="0">
-                              <a:solidFill>
-                                <a:schemeClr val="tx1"/>
-                              </a:solidFill>
-                              <a:latin typeface="Cambria Math"/>
-                            </a:rPr>
-                            <m:t>𝜕</m:t>
-                          </m:r>
-                          <m:r>
-                            <a:rPr kumimoji="1" lang="en-US" altLang="ja-JP" sz="1400" b="0" i="1" smtClean="0">
-                              <a:solidFill>
-                                <a:schemeClr val="tx1"/>
-                              </a:solidFill>
-                              <a:latin typeface="Cambria Math"/>
-                            </a:rPr>
-                            <m:t>𝑢</m:t>
-                          </m:r>
-                        </m:num>
-                        <m:den>
-                          <m:r>
-                            <a:rPr kumimoji="1" lang="en-US" altLang="ja-JP" sz="1400" i="1" smtClean="0">
-                              <a:solidFill>
-                                <a:schemeClr val="tx1"/>
-                              </a:solidFill>
-                              <a:latin typeface="Cambria Math"/>
-                            </a:rPr>
-                            <m:t>𝜕</m:t>
-                          </m:r>
-                          <m:r>
-                            <a:rPr kumimoji="1" lang="en-US" altLang="ja-JP" sz="1400" b="0" i="1" smtClean="0">
-                              <a:solidFill>
-                                <a:schemeClr val="tx1"/>
-                              </a:solidFill>
-                              <a:latin typeface="Cambria Math"/>
-                            </a:rPr>
-                            <m:t>𝑡</m:t>
-                          </m:r>
-                        </m:den>
-                      </m:f>
-                      <m:r>
-                        <a:rPr kumimoji="1" lang="en-US" altLang="ja-JP" sz="1400" b="0" i="1" smtClean="0">
-                          <a:solidFill>
-                            <a:schemeClr val="tx1"/>
-                          </a:solidFill>
-                          <a:latin typeface="Cambria Math"/>
-                        </a:rPr>
-                        <m:t>=0.2022</m:t>
-                      </m:r>
-                      <m:r>
-                        <a:rPr kumimoji="1" lang="en-US" altLang="ja-JP" sz="1400" b="0" i="1" smtClean="0">
-                          <a:solidFill>
-                            <a:schemeClr val="tx1"/>
-                          </a:solidFill>
-                          <a:latin typeface="Cambria Math"/>
-                          <a:ea typeface="Cambria Math"/>
-                        </a:rPr>
-                        <m:t>∆</m:t>
-                      </m:r>
-                      <m:r>
-                        <a:rPr kumimoji="1" lang="en-US" altLang="ja-JP" sz="1400" b="0" i="1" smtClean="0">
-                          <a:solidFill>
-                            <a:schemeClr val="tx1"/>
-                          </a:solidFill>
-                          <a:latin typeface="Cambria Math"/>
-                          <a:ea typeface="Cambria Math"/>
-                        </a:rPr>
-                        <m:t>𝑢</m:t>
-                      </m:r>
-                      <m:r>
-                        <a:rPr kumimoji="1" lang="en-US" altLang="ja-JP" sz="1400" b="0" i="1" smtClean="0">
-                          <a:solidFill>
-                            <a:schemeClr val="tx1"/>
-                          </a:solidFill>
-                          <a:latin typeface="Cambria Math"/>
-                          <a:ea typeface="Cambria Math"/>
-                        </a:rPr>
-                        <m:t>−</m:t>
-                      </m:r>
-                      <m:r>
-                        <a:rPr kumimoji="1" lang="en-US" altLang="ja-JP" sz="1400" b="0" i="1" smtClean="0">
-                          <a:solidFill>
-                            <a:schemeClr val="tx1"/>
-                          </a:solidFill>
-                          <a:latin typeface="Cambria Math"/>
-                          <a:ea typeface="Cambria Math"/>
-                        </a:rPr>
-                        <m:t>𝑢</m:t>
-                      </m:r>
-                      <m:sSup>
-                        <m:sSupPr>
-                          <m:ctrlPr>
-                            <a:rPr kumimoji="1" lang="en-US" altLang="ja-JP" sz="1400" b="0" i="1" smtClean="0">
-                              <a:solidFill>
-                                <a:schemeClr val="tx1"/>
-                              </a:solidFill>
-                              <a:latin typeface="Cambria Math"/>
-                              <a:ea typeface="Cambria Math"/>
-                            </a:rPr>
-                          </m:ctrlPr>
-                        </m:sSupPr>
-                        <m:e>
-                          <m:r>
-                            <a:rPr kumimoji="1" lang="en-US" altLang="ja-JP" sz="1400" b="0" i="1" smtClean="0">
-                              <a:solidFill>
-                                <a:schemeClr val="tx1"/>
-                              </a:solidFill>
-                              <a:latin typeface="Cambria Math"/>
-                              <a:ea typeface="Cambria Math"/>
-                            </a:rPr>
-                            <m:t>𝑣</m:t>
-                          </m:r>
-                        </m:e>
-                        <m:sup>
-                          <m:r>
-                            <a:rPr kumimoji="1" lang="en-US" altLang="ja-JP" sz="1400" b="0" i="1" smtClean="0">
-                              <a:solidFill>
-                                <a:schemeClr val="tx1"/>
-                              </a:solidFill>
-                              <a:latin typeface="Cambria Math"/>
-                              <a:ea typeface="Cambria Math"/>
-                            </a:rPr>
-                            <m:t>2</m:t>
-                          </m:r>
-                        </m:sup>
-                      </m:sSup>
-                      <m:r>
-                        <a:rPr kumimoji="1" lang="en-US" altLang="ja-JP" sz="1400" b="0" i="1" smtClean="0">
-                          <a:solidFill>
-                            <a:schemeClr val="tx1"/>
-                          </a:solidFill>
-                          <a:latin typeface="Cambria Math"/>
-                          <a:ea typeface="Cambria Math"/>
-                        </a:rPr>
-                        <m:t>+</m:t>
-                      </m:r>
-                      <m:r>
-                        <a:rPr lang="en-US" altLang="ja-JP" sz="1400" i="1">
-                          <a:solidFill>
-                            <a:schemeClr val="tx1"/>
-                          </a:solidFill>
-                          <a:latin typeface="Cambria Math"/>
-                        </a:rPr>
-                        <m:t>0.082</m:t>
-                      </m:r>
-                      <m:d>
-                        <m:dPr>
-                          <m:ctrlPr>
-                            <a:rPr lang="en-US" altLang="ja-JP" sz="1400" i="1">
-                              <a:solidFill>
-                                <a:schemeClr val="tx1"/>
-                              </a:solidFill>
-                              <a:latin typeface="Cambria Math"/>
-                            </a:rPr>
-                          </m:ctrlPr>
-                        </m:dPr>
-                        <m:e>
-                          <m:r>
-                            <a:rPr lang="en-US" altLang="ja-JP" sz="1400" i="1">
-                              <a:solidFill>
-                                <a:schemeClr val="tx1"/>
-                              </a:solidFill>
-                              <a:latin typeface="Cambria Math"/>
-                            </a:rPr>
-                            <m:t>1−</m:t>
-                          </m:r>
-                          <m:r>
-                            <a:rPr lang="en-US" altLang="ja-JP" sz="1400" b="0" i="1" smtClean="0">
-                              <a:solidFill>
-                                <a:schemeClr val="tx1"/>
-                              </a:solidFill>
-                              <a:latin typeface="Cambria Math"/>
-                            </a:rPr>
-                            <m:t>𝑢</m:t>
-                          </m:r>
-                        </m:e>
-                      </m:d>
-                    </m:oMath>
-                  </m:oMathPara>
+                  <m:oMath xmlns:m="http://schemas.openxmlformats.org/officeDocument/2006/math">
+                    <m:f>
+                      <m:fPr>
+                        <m:ctrlPr>
+                          <a:rPr kumimoji="1" lang="en-US" altLang="ja-JP" sz="1400" i="1" smtClean="0">
+                            <a:solidFill>
+                              <a:srgbClr val="FF0000"/>
+                            </a:solidFill>
+                            <a:latin typeface="Cambria Math"/>
+                          </a:rPr>
+                        </m:ctrlPr>
+                      </m:fPr>
+                      <m:num>
+                        <m:r>
+                          <a:rPr kumimoji="1" lang="en-US" altLang="ja-JP" sz="1400" i="1" smtClean="0">
+                            <a:solidFill>
+                              <a:srgbClr val="FF0000"/>
+                            </a:solidFill>
+                            <a:latin typeface="Cambria Math"/>
+                          </a:rPr>
+                          <m:t>𝜕</m:t>
+                        </m:r>
+                        <m:r>
+                          <a:rPr kumimoji="1" lang="en-US" altLang="ja-JP" sz="1400" b="0" i="1" smtClean="0">
+                            <a:solidFill>
+                              <a:srgbClr val="FF0000"/>
+                            </a:solidFill>
+                            <a:latin typeface="Cambria Math"/>
+                          </a:rPr>
+                          <m:t>𝑢</m:t>
+                        </m:r>
+                      </m:num>
+                      <m:den>
+                        <m:r>
+                          <a:rPr kumimoji="1" lang="en-US" altLang="ja-JP" sz="1400" i="1" smtClean="0">
+                            <a:solidFill>
+                              <a:srgbClr val="FF0000"/>
+                            </a:solidFill>
+                            <a:latin typeface="Cambria Math"/>
+                          </a:rPr>
+                          <m:t>𝜕</m:t>
+                        </m:r>
+                        <m:r>
+                          <a:rPr kumimoji="1" lang="en-US" altLang="ja-JP" sz="1400" b="0" i="1" smtClean="0">
+                            <a:solidFill>
+                              <a:srgbClr val="FF0000"/>
+                            </a:solidFill>
+                            <a:latin typeface="Cambria Math"/>
+                          </a:rPr>
+                          <m:t>𝑡</m:t>
+                        </m:r>
+                      </m:den>
+                    </m:f>
+                    <m:r>
+                      <a:rPr kumimoji="1" lang="en-US" altLang="ja-JP" sz="1400" b="0" i="1" smtClean="0">
+                        <a:solidFill>
+                          <a:srgbClr val="FF0000"/>
+                        </a:solidFill>
+                        <a:latin typeface="Cambria Math"/>
+                      </a:rPr>
+                      <m:t>=0.2022</m:t>
+                    </m:r>
+                    <m:r>
+                      <a:rPr kumimoji="1" lang="en-US" altLang="ja-JP" sz="1400" b="0" i="1" smtClean="0">
+                        <a:solidFill>
+                          <a:srgbClr val="FF0000"/>
+                        </a:solidFill>
+                        <a:latin typeface="Cambria Math"/>
+                        <a:ea typeface="Cambria Math"/>
+                      </a:rPr>
+                      <m:t>∆</m:t>
+                    </m:r>
+                    <m:r>
+                      <a:rPr kumimoji="1" lang="en-US" altLang="ja-JP" sz="1400" b="0" i="1" smtClean="0">
+                        <a:solidFill>
+                          <a:srgbClr val="FF0000"/>
+                        </a:solidFill>
+                        <a:latin typeface="Cambria Math"/>
+                        <a:ea typeface="Cambria Math"/>
+                      </a:rPr>
+                      <m:t>𝑢</m:t>
+                    </m:r>
+                    <m:r>
+                      <a:rPr kumimoji="1" lang="en-US" altLang="ja-JP" sz="1400" b="0" i="1" smtClean="0">
+                        <a:solidFill>
+                          <a:srgbClr val="FF0000"/>
+                        </a:solidFill>
+                        <a:latin typeface="Cambria Math"/>
+                        <a:ea typeface="Cambria Math"/>
+                      </a:rPr>
+                      <m:t>−</m:t>
+                    </m:r>
+                    <m:r>
+                      <a:rPr kumimoji="1" lang="en-US" altLang="ja-JP" sz="1400" b="0" i="1" smtClean="0">
+                        <a:solidFill>
+                          <a:srgbClr val="FF0000"/>
+                        </a:solidFill>
+                        <a:latin typeface="Cambria Math"/>
+                        <a:ea typeface="Cambria Math"/>
+                      </a:rPr>
+                      <m:t>𝑢</m:t>
+                    </m:r>
+                    <m:sSup>
+                      <m:sSupPr>
+                        <m:ctrlPr>
+                          <a:rPr kumimoji="1" lang="en-US" altLang="ja-JP" sz="1400" b="0" i="1" smtClean="0">
+                            <a:solidFill>
+                              <a:srgbClr val="FF0000"/>
+                            </a:solidFill>
+                            <a:latin typeface="Cambria Math"/>
+                            <a:ea typeface="Cambria Math"/>
+                          </a:rPr>
+                        </m:ctrlPr>
+                      </m:sSupPr>
+                      <m:e>
+                        <m:r>
+                          <a:rPr kumimoji="1" lang="en-US" altLang="ja-JP" sz="1400" b="0" i="1" smtClean="0">
+                            <a:solidFill>
+                              <a:srgbClr val="FF0000"/>
+                            </a:solidFill>
+                            <a:latin typeface="Cambria Math"/>
+                            <a:ea typeface="Cambria Math"/>
+                          </a:rPr>
+                          <m:t>𝑣</m:t>
+                        </m:r>
+                      </m:e>
+                      <m:sup>
+                        <m:r>
+                          <a:rPr kumimoji="1" lang="en-US" altLang="ja-JP" sz="1400" b="0" i="1" smtClean="0">
+                            <a:solidFill>
+                              <a:srgbClr val="FF0000"/>
+                            </a:solidFill>
+                            <a:latin typeface="Cambria Math"/>
+                            <a:ea typeface="Cambria Math"/>
+                          </a:rPr>
+                          <m:t>2</m:t>
+                        </m:r>
+                      </m:sup>
+                    </m:sSup>
+                    <m:r>
+                      <a:rPr kumimoji="1" lang="en-US" altLang="ja-JP" sz="1400" b="0" i="1" smtClean="0">
+                        <a:solidFill>
+                          <a:srgbClr val="FF0000"/>
+                        </a:solidFill>
+                        <a:latin typeface="Cambria Math"/>
+                        <a:ea typeface="Cambria Math"/>
+                      </a:rPr>
+                      <m:t>+</m:t>
+                    </m:r>
+                    <m:r>
+                      <a:rPr lang="en-US" altLang="ja-JP" sz="1400" i="1">
+                        <a:solidFill>
+                          <a:srgbClr val="FF0000"/>
+                        </a:solidFill>
+                        <a:latin typeface="Cambria Math"/>
+                      </a:rPr>
+                      <m:t>0.082</m:t>
+                    </m:r>
+                    <m:d>
+                      <m:dPr>
+                        <m:ctrlPr>
+                          <a:rPr lang="en-US" altLang="ja-JP" sz="1400" i="1">
+                            <a:solidFill>
+                              <a:srgbClr val="FF0000"/>
+                            </a:solidFill>
+                            <a:latin typeface="Cambria Math"/>
+                          </a:rPr>
+                        </m:ctrlPr>
+                      </m:dPr>
+                      <m:e>
+                        <m:r>
+                          <a:rPr lang="en-US" altLang="ja-JP" sz="1400" i="1">
+                            <a:solidFill>
+                              <a:srgbClr val="FF0000"/>
+                            </a:solidFill>
+                            <a:latin typeface="Cambria Math"/>
+                          </a:rPr>
+                          <m:t>1−</m:t>
+                        </m:r>
+                        <m:r>
+                          <a:rPr lang="en-US" altLang="ja-JP" sz="1400" b="0" i="1" smtClean="0">
+                            <a:solidFill>
+                              <a:srgbClr val="FF0000"/>
+                            </a:solidFill>
+                            <a:latin typeface="Cambria Math"/>
+                          </a:rPr>
+                          <m:t>𝑢</m:t>
+                        </m:r>
+                      </m:e>
+                    </m:d>
+                    <m:r>
+                      <a:rPr lang="en-US" altLang="ja-JP" sz="1400" b="0" i="1" smtClean="0">
+                        <a:solidFill>
+                          <a:srgbClr val="FF0000"/>
+                        </a:solidFill>
+                        <a:latin typeface="Cambria Math"/>
+                      </a:rPr>
+                      <m:t>,</m:t>
+                    </m:r>
+                    <m:r>
+                      <a:rPr lang="ja-JP" altLang="en-US" sz="1400" b="0" i="1" smtClean="0">
+                        <a:solidFill>
+                          <a:srgbClr val="FF0000"/>
+                        </a:solidFill>
+                        <a:latin typeface="Cambria Math"/>
+                      </a:rPr>
+                      <m:t>  </m:t>
+                    </m:r>
+                    <m:f>
+                      <m:fPr>
+                        <m:ctrlPr>
+                          <a:rPr lang="en-US" altLang="ja-JP" sz="1400" i="1">
+                            <a:solidFill>
+                              <a:srgbClr val="FF0000"/>
+                            </a:solidFill>
+                            <a:latin typeface="Cambria Math"/>
+                          </a:rPr>
+                        </m:ctrlPr>
+                      </m:fPr>
+                      <m:num>
+                        <m:r>
+                          <a:rPr lang="en-US" altLang="ja-JP" sz="1400" i="1">
+                            <a:solidFill>
+                              <a:srgbClr val="FF0000"/>
+                            </a:solidFill>
+                            <a:latin typeface="Cambria Math"/>
+                          </a:rPr>
+                          <m:t>𝜕</m:t>
+                        </m:r>
+                        <m:r>
+                          <a:rPr lang="en-US" altLang="ja-JP" sz="1400" i="1">
+                            <a:solidFill>
+                              <a:srgbClr val="FF0000"/>
+                            </a:solidFill>
+                            <a:latin typeface="Cambria Math"/>
+                          </a:rPr>
+                          <m:t>𝑢</m:t>
+                        </m:r>
+                      </m:num>
+                      <m:den>
+                        <m:r>
+                          <a:rPr lang="en-US" altLang="ja-JP" sz="1400" i="1">
+                            <a:solidFill>
+                              <a:srgbClr val="FF0000"/>
+                            </a:solidFill>
+                            <a:latin typeface="Cambria Math"/>
+                          </a:rPr>
+                          <m:t>𝜕</m:t>
+                        </m:r>
+                        <m:r>
+                          <a:rPr lang="en-US" altLang="ja-JP" sz="1400" i="1">
+                            <a:solidFill>
+                              <a:srgbClr val="FF0000"/>
+                            </a:solidFill>
+                            <a:latin typeface="Cambria Math"/>
+                          </a:rPr>
+                          <m:t>𝑡</m:t>
+                        </m:r>
+                      </m:den>
+                    </m:f>
+                    <m:r>
+                      <a:rPr lang="en-US" altLang="ja-JP" sz="1400" i="1">
+                        <a:solidFill>
+                          <a:srgbClr val="FF0000"/>
+                        </a:solidFill>
+                        <a:latin typeface="Cambria Math"/>
+                      </a:rPr>
+                      <m:t>=0.1</m:t>
+                    </m:r>
+                    <m:r>
+                      <a:rPr lang="en-US" altLang="ja-JP" sz="1400" i="1">
+                        <a:solidFill>
+                          <a:srgbClr val="FF0000"/>
+                        </a:solidFill>
+                        <a:latin typeface="Cambria Math"/>
+                        <a:ea typeface="Cambria Math"/>
+                      </a:rPr>
+                      <m:t>∆</m:t>
+                    </m:r>
+                    <m:r>
+                      <a:rPr lang="en-US" altLang="ja-JP" sz="1400" i="1">
+                        <a:solidFill>
+                          <a:srgbClr val="FF0000"/>
+                        </a:solidFill>
+                        <a:latin typeface="Cambria Math"/>
+                        <a:ea typeface="Cambria Math"/>
+                      </a:rPr>
+                      <m:t>𝑣</m:t>
+                    </m:r>
+                    <m:r>
+                      <a:rPr lang="en-US" altLang="ja-JP" sz="1400" i="1">
+                        <a:solidFill>
+                          <a:srgbClr val="FF0000"/>
+                        </a:solidFill>
+                        <a:latin typeface="Cambria Math"/>
+                        <a:ea typeface="Cambria Math"/>
+                      </a:rPr>
+                      <m:t>+</m:t>
+                    </m:r>
+                    <m:r>
+                      <a:rPr lang="en-US" altLang="ja-JP" sz="1400" i="1">
+                        <a:solidFill>
+                          <a:srgbClr val="FF0000"/>
+                        </a:solidFill>
+                        <a:latin typeface="Cambria Math"/>
+                        <a:ea typeface="Cambria Math"/>
+                      </a:rPr>
+                      <m:t>𝑢</m:t>
+                    </m:r>
+                    <m:sSup>
+                      <m:sSupPr>
+                        <m:ctrlPr>
+                          <a:rPr lang="en-US" altLang="ja-JP" sz="1400" i="1">
+                            <a:solidFill>
+                              <a:srgbClr val="FF0000"/>
+                            </a:solidFill>
+                            <a:latin typeface="Cambria Math"/>
+                            <a:ea typeface="Cambria Math"/>
+                          </a:rPr>
+                        </m:ctrlPr>
+                      </m:sSupPr>
+                      <m:e>
+                        <m:r>
+                          <a:rPr lang="en-US" altLang="ja-JP" sz="1400" i="1">
+                            <a:solidFill>
+                              <a:srgbClr val="FF0000"/>
+                            </a:solidFill>
+                            <a:latin typeface="Cambria Math"/>
+                            <a:ea typeface="Cambria Math"/>
+                          </a:rPr>
+                          <m:t>𝑣</m:t>
+                        </m:r>
+                      </m:e>
+                      <m:sup>
+                        <m:r>
+                          <a:rPr lang="en-US" altLang="ja-JP" sz="1400" i="1">
+                            <a:solidFill>
+                              <a:srgbClr val="FF0000"/>
+                            </a:solidFill>
+                            <a:latin typeface="Cambria Math"/>
+                            <a:ea typeface="Cambria Math"/>
+                          </a:rPr>
+                          <m:t>2</m:t>
+                        </m:r>
+                      </m:sup>
+                    </m:sSup>
+                    <m:r>
+                      <a:rPr lang="en-US" altLang="ja-JP" sz="1400" i="1">
+                        <a:solidFill>
+                          <a:srgbClr val="FF0000"/>
+                        </a:solidFill>
+                        <a:latin typeface="Cambria Math"/>
+                        <a:ea typeface="Cambria Math"/>
+                      </a:rPr>
+                      <m:t>−</m:t>
+                    </m:r>
+                    <m:r>
+                      <a:rPr lang="en-US" altLang="ja-JP" sz="1400" i="1">
+                        <a:solidFill>
+                          <a:srgbClr val="FF0000"/>
+                        </a:solidFill>
+                        <a:latin typeface="Cambria Math"/>
+                      </a:rPr>
+                      <m:t>0.</m:t>
+                    </m:r>
+                    <m:r>
+                      <a:rPr lang="en-US" altLang="ja-JP" sz="1400" i="1">
+                        <a:solidFill>
+                          <a:srgbClr val="FF0000"/>
+                        </a:solidFill>
+                        <a:latin typeface="Cambria Math"/>
+                      </a:rPr>
+                      <m:t>141</m:t>
+                    </m:r>
+                    <m:r>
+                      <a:rPr lang="en-US" altLang="ja-JP" sz="1400" i="1">
+                        <a:solidFill>
+                          <a:srgbClr val="FF0000"/>
+                        </a:solidFill>
+                        <a:latin typeface="Cambria Math"/>
+                      </a:rPr>
+                      <m:t>𝑣</m:t>
+                    </m:r>
+                  </m:oMath>
                 </a14:m>
+                <a:r>
+                  <a:rPr lang="ja-JP" altLang="en-US" sz="1400" dirty="0" smtClean="0">
+                    <a:solidFill>
+                      <a:srgbClr val="FF0000"/>
+                    </a:solidFill>
+                    <a:latin typeface="Times New Roman" panose="02020603050405020304" pitchFamily="18" charset="0"/>
+                    <a:ea typeface="ＭＳ Ｐ明朝" panose="02020600040205080304" pitchFamily="18" charset="-128"/>
+                    <a:cs typeface="Times New Roman" panose="02020603050405020304" pitchFamily="18" charset="0"/>
+                  </a:rPr>
+                  <a:t> とする．</a:t>
+                </a:r>
                 <a:endParaRPr lang="en-US" altLang="ja-JP" sz="1400" dirty="0" smtClean="0">
                   <a:solidFill>
-                    <a:schemeClr val="tx1"/>
+                    <a:srgbClr val="FF0000"/>
                   </a:solidFill>
+                  <a:latin typeface="Times New Roman" panose="02020603050405020304" pitchFamily="18" charset="0"/>
+                  <a:ea typeface="ＭＳ Ｐ明朝" panose="02020600040205080304" pitchFamily="18" charset="-128"/>
+                  <a:cs typeface="Times New Roman" panose="02020603050405020304" pitchFamily="18" charset="0"/>
                 </a:endParaRPr>
               </a:p>
             </p:txBody>
           </p:sp>
         </mc:Choice>
-        <mc:Fallback xmlns="">
+        <mc:Fallback>
           <p:sp>
             <p:nvSpPr>
               <p:cNvPr id="11" name="テキスト ボックス 10"/>
@@ -13793,8 +14005,8 @@
             </p:nvSpPr>
             <p:spPr>
               <a:xfrm>
-                <a:off x="232094" y="44624"/>
-                <a:ext cx="3145476" cy="501997"/>
+                <a:off x="240258" y="44624"/>
+                <a:ext cx="7397216" cy="409086"/>
               </a:xfrm>
               <a:prstGeom prst="rect">
                 <a:avLst/>
@@ -13802,7 +14014,7 @@
               <a:blipFill rotWithShape="1">
                 <a:blip r:embed="rId10"/>
                 <a:stretch>
-                  <a:fillRect b="-1205"/>
+                  <a:fillRect l="-165"/>
                 </a:stretch>
               </a:blipFill>
             </p:spPr>
@@ -13821,18 +14033,18 @@
           </p:sp>
         </mc:Fallback>
       </mc:AlternateContent>
-      <mc:AlternateContent xmlns:mc="http://schemas.openxmlformats.org/markup-compatibility/2006" xmlns:a14="http://schemas.microsoft.com/office/drawing/2010/main">
-        <mc:Choice Requires="a14">
+      <mc:AlternateContent xmlns:mc="http://schemas.openxmlformats.org/markup-compatibility/2006">
+        <mc:Choice xmlns:a14="http://schemas.microsoft.com/office/drawing/2010/main" Requires="a14">
           <p:sp>
             <p:nvSpPr>
-              <p:cNvPr id="12" name="テキスト ボックス 11"/>
+              <p:cNvPr id="13" name="テキスト ボックス 12"/>
               <p:cNvSpPr txBox="1"/>
               <p:nvPr/>
             </p:nvSpPr>
             <p:spPr>
               <a:xfrm>
-                <a:off x="232094" y="548680"/>
-                <a:ext cx="2376292" cy="501997"/>
+                <a:off x="267848" y="1448711"/>
+                <a:ext cx="7397216" cy="307777"/>
               </a:xfrm>
               <a:prstGeom prst="rect">
                 <a:avLst/>
@@ -13840,209 +14052,51 @@
               <a:noFill/>
             </p:spPr>
             <p:txBody>
-              <a:bodyPr wrap="none" rtlCol="0">
+              <a:bodyPr wrap="square" rtlCol="0">
                 <a:spAutoFit/>
               </a:bodyPr>
               <a:lstStyle/>
               <a:p>
-                <a:pPr/>
                 <a14:m>
-                  <m:oMathPara xmlns:m="http://schemas.openxmlformats.org/officeDocument/2006/math">
-                    <m:oMathParaPr>
-                      <m:jc m:val="centerGroup"/>
-                    </m:oMathParaPr>
-                    <m:oMath xmlns:m="http://schemas.openxmlformats.org/officeDocument/2006/math">
-                      <m:f>
-                        <m:fPr>
-                          <m:ctrlPr>
-                            <a:rPr kumimoji="1" lang="en-US" altLang="ja-JP" sz="1400" i="1" smtClean="0">
-                              <a:solidFill>
-                                <a:schemeClr val="tx1"/>
-                              </a:solidFill>
-                              <a:latin typeface="Cambria Math"/>
-                            </a:rPr>
-                          </m:ctrlPr>
-                        </m:fPr>
-                        <m:num>
-                          <m:r>
-                            <a:rPr kumimoji="1" lang="en-US" altLang="ja-JP" sz="1400" i="1" smtClean="0">
-                              <a:solidFill>
-                                <a:schemeClr val="tx1"/>
-                              </a:solidFill>
-                              <a:latin typeface="Cambria Math"/>
-                            </a:rPr>
-                            <m:t>𝜕</m:t>
-                          </m:r>
-                          <m:r>
-                            <a:rPr kumimoji="1" lang="en-US" altLang="ja-JP" sz="1400" b="0" i="1" smtClean="0">
-                              <a:solidFill>
-                                <a:schemeClr val="tx1"/>
-                              </a:solidFill>
-                              <a:latin typeface="Cambria Math"/>
-                            </a:rPr>
-                            <m:t>𝑢</m:t>
-                          </m:r>
-                        </m:num>
-                        <m:den>
-                          <m:r>
-                            <a:rPr kumimoji="1" lang="en-US" altLang="ja-JP" sz="1400" i="1" smtClean="0">
-                              <a:solidFill>
-                                <a:schemeClr val="tx1"/>
-                              </a:solidFill>
-                              <a:latin typeface="Cambria Math"/>
-                            </a:rPr>
-                            <m:t>𝜕</m:t>
-                          </m:r>
-                          <m:r>
-                            <a:rPr kumimoji="1" lang="en-US" altLang="ja-JP" sz="1400" b="0" i="1" smtClean="0">
-                              <a:solidFill>
-                                <a:schemeClr val="tx1"/>
-                              </a:solidFill>
-                              <a:latin typeface="Cambria Math"/>
-                            </a:rPr>
-                            <m:t>𝑡</m:t>
-                          </m:r>
-                        </m:den>
-                      </m:f>
-                      <m:r>
-                        <a:rPr kumimoji="1" lang="en-US" altLang="ja-JP" sz="1400" b="0" i="1" smtClean="0">
-                          <a:solidFill>
-                            <a:schemeClr val="tx1"/>
-                          </a:solidFill>
-                          <a:latin typeface="Cambria Math"/>
-                        </a:rPr>
-                        <m:t>=0.1</m:t>
-                      </m:r>
-                      <m:r>
-                        <a:rPr kumimoji="1" lang="en-US" altLang="ja-JP" sz="1400" b="0" i="1" smtClean="0">
-                          <a:solidFill>
-                            <a:schemeClr val="tx1"/>
-                          </a:solidFill>
-                          <a:latin typeface="Cambria Math"/>
-                          <a:ea typeface="Cambria Math"/>
-                        </a:rPr>
-                        <m:t>∆</m:t>
-                      </m:r>
-                      <m:r>
-                        <a:rPr kumimoji="1" lang="en-US" altLang="ja-JP" sz="1400" b="0" i="1" smtClean="0">
-                          <a:solidFill>
-                            <a:schemeClr val="tx1"/>
-                          </a:solidFill>
-                          <a:latin typeface="Cambria Math"/>
-                          <a:ea typeface="Cambria Math"/>
-                        </a:rPr>
-                        <m:t>𝑣</m:t>
-                      </m:r>
-                      <m:r>
-                        <a:rPr kumimoji="1" lang="en-US" altLang="ja-JP" sz="1400" b="0" i="1" smtClean="0">
-                          <a:solidFill>
-                            <a:schemeClr val="tx1"/>
-                          </a:solidFill>
-                          <a:latin typeface="Cambria Math"/>
-                          <a:ea typeface="Cambria Math"/>
-                        </a:rPr>
-                        <m:t>+</m:t>
-                      </m:r>
-                      <m:r>
-                        <a:rPr kumimoji="1" lang="en-US" altLang="ja-JP" sz="1400" b="0" i="1" smtClean="0">
-                          <a:solidFill>
-                            <a:schemeClr val="tx1"/>
-                          </a:solidFill>
-                          <a:latin typeface="Cambria Math"/>
-                          <a:ea typeface="Cambria Math"/>
-                        </a:rPr>
-                        <m:t>𝑢</m:t>
-                      </m:r>
-                      <m:sSup>
-                        <m:sSupPr>
-                          <m:ctrlPr>
-                            <a:rPr kumimoji="1" lang="en-US" altLang="ja-JP" sz="1400" b="0" i="1" smtClean="0">
-                              <a:solidFill>
-                                <a:schemeClr val="tx1"/>
-                              </a:solidFill>
-                              <a:latin typeface="Cambria Math"/>
-                              <a:ea typeface="Cambria Math"/>
-                            </a:rPr>
-                          </m:ctrlPr>
-                        </m:sSupPr>
-                        <m:e>
-                          <m:r>
-                            <a:rPr kumimoji="1" lang="en-US" altLang="ja-JP" sz="1400" b="0" i="1" smtClean="0">
-                              <a:solidFill>
-                                <a:schemeClr val="tx1"/>
-                              </a:solidFill>
-                              <a:latin typeface="Cambria Math"/>
-                              <a:ea typeface="Cambria Math"/>
-                            </a:rPr>
-                            <m:t>𝑣</m:t>
-                          </m:r>
-                        </m:e>
-                        <m:sup>
-                          <m:r>
-                            <a:rPr kumimoji="1" lang="en-US" altLang="ja-JP" sz="1400" b="0" i="1" smtClean="0">
-                              <a:solidFill>
-                                <a:schemeClr val="tx1"/>
-                              </a:solidFill>
-                              <a:latin typeface="Cambria Math"/>
-                              <a:ea typeface="Cambria Math"/>
-                            </a:rPr>
-                            <m:t>2</m:t>
-                          </m:r>
-                        </m:sup>
-                      </m:sSup>
-                      <m:r>
-                        <a:rPr kumimoji="1" lang="en-US" altLang="ja-JP" sz="1400" b="0" i="1" smtClean="0">
-                          <a:solidFill>
-                            <a:schemeClr val="tx1"/>
-                          </a:solidFill>
-                          <a:latin typeface="Cambria Math"/>
-                          <a:ea typeface="Cambria Math"/>
-                        </a:rPr>
-                        <m:t>−</m:t>
-                      </m:r>
-                      <m:r>
-                        <a:rPr lang="en-US" altLang="ja-JP" sz="1400" i="1">
-                          <a:solidFill>
-                            <a:schemeClr val="tx1"/>
-                          </a:solidFill>
-                          <a:latin typeface="Cambria Math"/>
-                        </a:rPr>
-                        <m:t>0.</m:t>
-                      </m:r>
-                      <m:r>
-                        <a:rPr lang="en-US" altLang="ja-JP" sz="1400" b="0" i="1" smtClean="0">
-                          <a:solidFill>
-                            <a:schemeClr val="tx1"/>
-                          </a:solidFill>
-                          <a:latin typeface="Cambria Math"/>
-                        </a:rPr>
-                        <m:t>141</m:t>
-                      </m:r>
-                      <m:r>
-                        <a:rPr lang="en-US" altLang="ja-JP" sz="1400" b="0" i="1" smtClean="0">
-                          <a:solidFill>
-                            <a:schemeClr val="tx1"/>
-                          </a:solidFill>
-                          <a:latin typeface="Cambria Math"/>
-                        </a:rPr>
-                        <m:t>𝑣</m:t>
-                      </m:r>
-                    </m:oMath>
-                  </m:oMathPara>
+                  <m:oMath xmlns:m="http://schemas.openxmlformats.org/officeDocument/2006/math">
+                    <m:r>
+                      <a:rPr kumimoji="1" lang="en-US" altLang="ja-JP" sz="1400" b="0" i="1" smtClean="0">
+                        <a:solidFill>
+                          <a:srgbClr val="FF0000"/>
+                        </a:solidFill>
+                        <a:latin typeface="Cambria Math"/>
+                      </a:rPr>
+                      <m:t>𝑢</m:t>
+                    </m:r>
+                  </m:oMath>
                 </a14:m>
+                <a:r>
+                  <a:rPr lang="ja-JP" altLang="en-US" sz="1400" dirty="0" smtClean="0">
+                    <a:solidFill>
+                      <a:srgbClr val="FF0000"/>
+                    </a:solidFill>
+                    <a:latin typeface="Times New Roman" panose="02020603050405020304" pitchFamily="18" charset="0"/>
+                    <a:ea typeface="ＭＳ Ｐ明朝" panose="02020600040205080304" pitchFamily="18" charset="-128"/>
+                    <a:cs typeface="Times New Roman" panose="02020603050405020304" pitchFamily="18" charset="0"/>
+                  </a:rPr>
+                  <a:t>の時間展開を可視化すると以下の図が得られる．</a:t>
+                </a:r>
                 <a:endParaRPr lang="en-US" altLang="ja-JP" sz="1400" dirty="0" smtClean="0">
                   <a:solidFill>
-                    <a:schemeClr val="tx1"/>
+                    <a:srgbClr val="FF0000"/>
                   </a:solidFill>
+                  <a:latin typeface="Times New Roman" panose="02020603050405020304" pitchFamily="18" charset="0"/>
+                  <a:ea typeface="ＭＳ Ｐ明朝" panose="02020600040205080304" pitchFamily="18" charset="-128"/>
+                  <a:cs typeface="Times New Roman" panose="02020603050405020304" pitchFamily="18" charset="0"/>
                 </a:endParaRPr>
               </a:p>
             </p:txBody>
           </p:sp>
         </mc:Choice>
-        <mc:Fallback xmlns="">
+        <mc:Fallback>
           <p:sp>
             <p:nvSpPr>
-              <p:cNvPr id="12" name="テキスト ボックス 11"/>
+              <p:cNvPr id="13" name="テキスト ボックス 12"/>
               <p:cNvSpPr txBox="1">
                 <a:spLocks noRot="1" noChangeAspect="1" noMove="1" noResize="1" noEditPoints="1" noAdjustHandles="1" noChangeArrowheads="1" noChangeShapeType="1" noTextEdit="1"/>
               </p:cNvSpPr>
@@ -14050,8 +14104,8 @@
             </p:nvSpPr>
             <p:spPr>
               <a:xfrm>
-                <a:off x="232094" y="548680"/>
-                <a:ext cx="2376292" cy="501997"/>
+                <a:off x="267848" y="1448711"/>
+                <a:ext cx="7397216" cy="307777"/>
               </a:xfrm>
               <a:prstGeom prst="rect">
                 <a:avLst/>
@@ -14059,7 +14113,179 @@
               <a:blipFill rotWithShape="1">
                 <a:blip r:embed="rId11"/>
                 <a:stretch>
-                  <a:fillRect b="-2439"/>
+                  <a:fillRect t="-4000" b="-18000"/>
+                </a:stretch>
+              </a:blipFill>
+            </p:spPr>
+            <p:txBody>
+              <a:bodyPr/>
+              <a:lstStyle/>
+              <a:p>
+                <a:r>
+                  <a:rPr lang="ja-JP" altLang="en-US">
+                    <a:noFill/>
+                  </a:rPr>
+                  <a:t> </a:t>
+                </a:r>
+              </a:p>
+            </p:txBody>
+          </p:sp>
+        </mc:Fallback>
+      </mc:AlternateContent>
+      <mc:AlternateContent xmlns:mc="http://schemas.openxmlformats.org/markup-compatibility/2006">
+        <mc:Choice xmlns:a14="http://schemas.microsoft.com/office/drawing/2010/main" Requires="a14">
+          <p:sp>
+            <p:nvSpPr>
+              <p:cNvPr id="14" name="テキスト ボックス 13"/>
+              <p:cNvSpPr txBox="1"/>
+              <p:nvPr/>
+            </p:nvSpPr>
+            <p:spPr>
+              <a:xfrm>
+                <a:off x="251519" y="456927"/>
+                <a:ext cx="8280921" cy="307777"/>
+              </a:xfrm>
+              <a:prstGeom prst="rect">
+                <a:avLst/>
+              </a:prstGeom>
+              <a:noFill/>
+            </p:spPr>
+            <p:txBody>
+              <a:bodyPr wrap="square" rtlCol="0">
+                <a:spAutoFit/>
+              </a:bodyPr>
+              <a:lstStyle/>
+              <a:p>
+                <a14:m>
+                  <m:oMath xmlns:m="http://schemas.openxmlformats.org/officeDocument/2006/math">
+                    <m:r>
+                      <a:rPr lang="en-US" altLang="ja-JP" sz="1400" i="1" smtClean="0">
+                        <a:solidFill>
+                          <a:srgbClr val="FF0000"/>
+                        </a:solidFill>
+                        <a:latin typeface="Cambria Math"/>
+                      </a:rPr>
+                      <m:t>𝑢</m:t>
+                    </m:r>
+                    <m:r>
+                      <a:rPr lang="en-US" altLang="ja-JP" sz="1400" b="0" i="1" smtClean="0">
+                        <a:solidFill>
+                          <a:srgbClr val="FF0000"/>
+                        </a:solidFill>
+                        <a:latin typeface="Cambria Math"/>
+                      </a:rPr>
+                      <m:t>, </m:t>
+                    </m:r>
+                    <m:r>
+                      <a:rPr lang="en-US" altLang="ja-JP" sz="1400" b="0" i="1" smtClean="0">
+                        <a:solidFill>
+                          <a:srgbClr val="FF0000"/>
+                        </a:solidFill>
+                        <a:latin typeface="Cambria Math"/>
+                      </a:rPr>
+                      <m:t>𝑣</m:t>
+                    </m:r>
+                  </m:oMath>
+                </a14:m>
+                <a:r>
+                  <a:rPr lang="ja-JP" altLang="en-US" sz="1400" dirty="0" smtClean="0">
+                    <a:solidFill>
+                      <a:srgbClr val="FF0000"/>
+                    </a:solidFill>
+                    <a:latin typeface="Times New Roman" panose="02020603050405020304" pitchFamily="18" charset="0"/>
+                    <a:ea typeface="ＭＳ Ｐ明朝" panose="02020600040205080304" pitchFamily="18" charset="-128"/>
+                    <a:cs typeface="Times New Roman" panose="02020603050405020304" pitchFamily="18" charset="0"/>
+                  </a:rPr>
+                  <a:t>はそれぞれ任意の物質の濃度を意味する．この</a:t>
+                </a:r>
+                <a:r>
+                  <a:rPr lang="ja-JP" altLang="en-US" sz="1400" dirty="0">
+                    <a:solidFill>
+                      <a:srgbClr val="FF0000"/>
+                    </a:solidFill>
+                    <a:latin typeface="Times New Roman" panose="02020603050405020304" pitchFamily="18" charset="0"/>
+                    <a:ea typeface="ＭＳ Ｐ明朝" panose="02020600040205080304" pitchFamily="18" charset="-128"/>
+                    <a:cs typeface="Times New Roman" panose="02020603050405020304" pitchFamily="18" charset="0"/>
+                  </a:rPr>
+                  <a:t>式を</a:t>
+                </a:r>
+                <a:r>
+                  <a:rPr lang="en-US" altLang="ja-JP" sz="1400" dirty="0">
+                    <a:solidFill>
+                      <a:srgbClr val="FF0000"/>
+                    </a:solidFill>
+                    <a:latin typeface="Times New Roman" panose="02020603050405020304" pitchFamily="18" charset="0"/>
+                    <a:ea typeface="ＭＳ Ｐ明朝" panose="02020600040205080304" pitchFamily="18" charset="-128"/>
+                    <a:cs typeface="Times New Roman" panose="02020603050405020304" pitchFamily="18" charset="0"/>
+                  </a:rPr>
+                  <a:t>Turing pattern</a:t>
+                </a:r>
+                <a:r>
+                  <a:rPr lang="ja-JP" altLang="en-US" sz="1400" dirty="0">
+                    <a:solidFill>
+                      <a:srgbClr val="FF0000"/>
+                    </a:solidFill>
+                    <a:latin typeface="Times New Roman" panose="02020603050405020304" pitchFamily="18" charset="0"/>
+                    <a:ea typeface="ＭＳ Ｐ明朝" panose="02020600040205080304" pitchFamily="18" charset="-128"/>
+                    <a:cs typeface="Times New Roman" panose="02020603050405020304" pitchFamily="18" charset="0"/>
+                  </a:rPr>
+                  <a:t>として展開すると以下の</a:t>
+                </a:r>
+                <a:r>
+                  <a:rPr lang="en-US" altLang="ja-JP" sz="1400" dirty="0">
+                    <a:solidFill>
+                      <a:srgbClr val="FF0000"/>
+                    </a:solidFill>
+                    <a:latin typeface="Times New Roman" panose="02020603050405020304" pitchFamily="18" charset="0"/>
+                    <a:ea typeface="ＭＳ Ｐ明朝" panose="02020600040205080304" pitchFamily="18" charset="-128"/>
+                    <a:cs typeface="Times New Roman" panose="02020603050405020304" pitchFamily="18" charset="0"/>
+                  </a:rPr>
+                  <a:t>2</a:t>
+                </a:r>
+                <a:r>
+                  <a:rPr lang="ja-JP" altLang="en-US" sz="1400" dirty="0">
+                    <a:solidFill>
+                      <a:srgbClr val="FF0000"/>
+                    </a:solidFill>
+                    <a:latin typeface="Times New Roman" panose="02020603050405020304" pitchFamily="18" charset="0"/>
+                    <a:ea typeface="ＭＳ Ｐ明朝" panose="02020600040205080304" pitchFamily="18" charset="-128"/>
+                    <a:cs typeface="Times New Roman" panose="02020603050405020304" pitchFamily="18" charset="0"/>
+                  </a:rPr>
+                  <a:t>式が得られる．</a:t>
+                </a:r>
+                <a:endParaRPr lang="en-US" altLang="ja-JP" sz="1400" dirty="0" smtClean="0">
+                  <a:solidFill>
+                    <a:srgbClr val="FF0000"/>
+                  </a:solidFill>
+                  <a:latin typeface="Times New Roman" panose="02020603050405020304" pitchFamily="18" charset="0"/>
+                  <a:ea typeface="ＭＳ Ｐ明朝" panose="02020600040205080304" pitchFamily="18" charset="-128"/>
+                  <a:cs typeface="Times New Roman" panose="02020603050405020304" pitchFamily="18" charset="0"/>
+                </a:endParaRPr>
+              </a:p>
+            </p:txBody>
+          </p:sp>
+        </mc:Choice>
+        <mc:Fallback>
+          <p:sp>
+            <p:nvSpPr>
+              <p:cNvPr id="14" name="テキスト ボックス 13"/>
+              <p:cNvSpPr txBox="1">
+                <a:spLocks noRot="1" noChangeAspect="1" noMove="1" noResize="1" noEditPoints="1" noAdjustHandles="1" noChangeArrowheads="1" noChangeShapeType="1" noTextEdit="1"/>
+              </p:cNvSpPr>
+              <p:nvPr/>
+            </p:nvSpPr>
+            <p:spPr>
+              <a:xfrm>
+                <a:off x="251519" y="456927"/>
+                <a:ext cx="8280921" cy="307777"/>
+              </a:xfrm>
+              <a:prstGeom prst="rect">
+                <a:avLst/>
+              </a:prstGeom>
+              <a:blipFill rotWithShape="1">
+                <a:blip r:embed="rId12"/>
+                <a:stretch>
+                  <a:fillRect t="-4000" b="-22000"/>
                 </a:stretch>
               </a:blipFill>
             </p:spPr>
